--- a/ML/PPT_ML_CA1_26 Nov 23.pptx
+++ b/ML/PPT_ML_CA1_26 Nov 23.pptx
@@ -5,15 +5,19 @@
     <p:sldMasterId id="2147483648" r:id="rId1"/>
   </p:sldMasterIdLst>
   <p:notesMasterIdLst>
-    <p:notesMasterId r:id="rId8"/>
+    <p:notesMasterId r:id="rId12"/>
   </p:notesMasterIdLst>
   <p:sldIdLst>
     <p:sldId id="256" r:id="rId2"/>
     <p:sldId id="257" r:id="rId3"/>
     <p:sldId id="259" r:id="rId4"/>
-    <p:sldId id="261" r:id="rId5"/>
-    <p:sldId id="258" r:id="rId6"/>
-    <p:sldId id="260" r:id="rId7"/>
+    <p:sldId id="262" r:id="rId5"/>
+    <p:sldId id="264" r:id="rId6"/>
+    <p:sldId id="265" r:id="rId7"/>
+    <p:sldId id="261" r:id="rId8"/>
+    <p:sldId id="263" r:id="rId9"/>
+    <p:sldId id="258" r:id="rId10"/>
+    <p:sldId id="260" r:id="rId11"/>
   </p:sldIdLst>
   <p:sldSz cx="9144000" cy="5143500" type="screen16x9"/>
   <p:notesSz cx="6858000" cy="9144000"/>
@@ -213,7 +217,7 @@
           <a:p>
             <a:fld id="{C8D18E60-4300-4729-A0D7-6AB984C3922D}" type="datetimeFigureOut">
               <a:rPr lang="en-US" smtClean="0"/>
-              <a:t>11/24/2023</a:t>
+              <a:t>11/25/2023</a:t>
             </a:fld>
             <a:endParaRPr lang="en-US"/>
           </a:p>
@@ -545,7 +549,7 @@
           <a:p>
             <a:fld id="{87350B06-B074-48FC-8CFD-53D2CD8FB95F}" type="slidenum">
               <a:rPr lang="en-US" smtClean="0"/>
-              <a:t>6</a:t>
+              <a:t>10</a:t>
             </a:fld>
             <a:endParaRPr lang="en-US"/>
           </a:p>
@@ -783,7 +787,7 @@
             <a:fld id="{53074F12-AA26-4AC8-9962-C36BB8F32554}" type="datetimeFigureOut">
               <a:rPr lang="en-US" smtClean="0"/>
               <a:pPr/>
-              <a:t>11/24/2023</a:t>
+              <a:t>11/25/2023</a:t>
             </a:fld>
             <a:endParaRPr lang="en-US"/>
           </a:p>
@@ -1037,7 +1041,7 @@
             <a:fld id="{53074F12-AA26-4AC8-9962-C36BB8F32554}" type="datetimeFigureOut">
               <a:rPr lang="en-US" smtClean="0"/>
               <a:pPr/>
-              <a:t>11/24/2023</a:t>
+              <a:t>11/25/2023</a:t>
             </a:fld>
             <a:endParaRPr lang="en-US"/>
           </a:p>
@@ -1207,7 +1211,7 @@
             <a:fld id="{53074F12-AA26-4AC8-9962-C36BB8F32554}" type="datetimeFigureOut">
               <a:rPr lang="en-US" smtClean="0"/>
               <a:pPr/>
-              <a:t>11/24/2023</a:t>
+              <a:t>11/25/2023</a:t>
             </a:fld>
             <a:endParaRPr lang="en-US"/>
           </a:p>
@@ -1387,7 +1391,7 @@
             <a:fld id="{53074F12-AA26-4AC8-9962-C36BB8F32554}" type="datetimeFigureOut">
               <a:rPr lang="en-US" smtClean="0"/>
               <a:pPr/>
-              <a:t>11/24/2023</a:t>
+              <a:t>11/25/2023</a:t>
             </a:fld>
             <a:endParaRPr lang="en-US"/>
           </a:p>
@@ -1669,7 +1673,7 @@
             <a:fld id="{53074F12-AA26-4AC8-9962-C36BB8F32554}" type="datetimeFigureOut">
               <a:rPr lang="en-US" smtClean="0"/>
               <a:pPr/>
-              <a:t>11/24/2023</a:t>
+              <a:t>11/25/2023</a:t>
             </a:fld>
             <a:endParaRPr lang="en-US"/>
           </a:p>
@@ -1916,7 +1920,7 @@
             <a:fld id="{53074F12-AA26-4AC8-9962-C36BB8F32554}" type="datetimeFigureOut">
               <a:rPr lang="en-US" smtClean="0"/>
               <a:pPr/>
-              <a:t>11/24/2023</a:t>
+              <a:t>11/25/2023</a:t>
             </a:fld>
             <a:endParaRPr lang="en-US"/>
           </a:p>
@@ -2163,7 +2167,7 @@
             <a:fld id="{53074F12-AA26-4AC8-9962-C36BB8F32554}" type="datetimeFigureOut">
               <a:rPr lang="en-US" smtClean="0"/>
               <a:pPr/>
-              <a:t>11/24/2023</a:t>
+              <a:t>11/25/2023</a:t>
             </a:fld>
             <a:endParaRPr lang="en-US"/>
           </a:p>
@@ -2450,7 +2454,7 @@
             <a:fld id="{53074F12-AA26-4AC8-9962-C36BB8F32554}" type="datetimeFigureOut">
               <a:rPr lang="en-US" smtClean="0"/>
               <a:pPr/>
-              <a:t>11/24/2023</a:t>
+              <a:t>11/25/2023</a:t>
             </a:fld>
             <a:endParaRPr lang="en-US"/>
           </a:p>
@@ -2937,7 +2941,7 @@
             <a:fld id="{53074F12-AA26-4AC8-9962-C36BB8F32554}" type="datetimeFigureOut">
               <a:rPr lang="en-US" smtClean="0"/>
               <a:pPr/>
-              <a:t>11/24/2023</a:t>
+              <a:t>11/25/2023</a:t>
             </a:fld>
             <a:endParaRPr lang="en-US"/>
           </a:p>
@@ -3056,7 +3060,7 @@
             <a:fld id="{53074F12-AA26-4AC8-9962-C36BB8F32554}" type="datetimeFigureOut">
               <a:rPr lang="en-US" smtClean="0"/>
               <a:pPr/>
-              <a:t>11/24/2023</a:t>
+              <a:t>11/25/2023</a:t>
             </a:fld>
             <a:endParaRPr lang="en-US"/>
           </a:p>
@@ -3153,7 +3157,7 @@
             <a:fld id="{53074F12-AA26-4AC8-9962-C36BB8F32554}" type="datetimeFigureOut">
               <a:rPr lang="en-US" smtClean="0"/>
               <a:pPr/>
-              <a:t>11/24/2023</a:t>
+              <a:t>11/25/2023</a:t>
             </a:fld>
             <a:endParaRPr lang="en-US"/>
           </a:p>
@@ -3430,7 +3434,7 @@
             <a:fld id="{53074F12-AA26-4AC8-9962-C36BB8F32554}" type="datetimeFigureOut">
               <a:rPr lang="en-US" smtClean="0"/>
               <a:pPr/>
-              <a:t>11/24/2023</a:t>
+              <a:t>11/25/2023</a:t>
             </a:fld>
             <a:endParaRPr lang="en-US"/>
           </a:p>
@@ -3652,7 +3656,7 @@
             <a:fld id="{53074F12-AA26-4AC8-9962-C36BB8F32554}" type="datetimeFigureOut">
               <a:rPr lang="en-US" smtClean="0"/>
               <a:pPr/>
-              <a:t>11/24/2023</a:t>
+              <a:t>11/25/2023</a:t>
             </a:fld>
             <a:endParaRPr lang="en-US"/>
           </a:p>
@@ -4139,18 +4143,9 @@
           <a:lstStyle/>
           <a:p>
             <a:r>
-              <a:rPr lang="en-US" dirty="0" err="1"/>
-              <a:t>Zygimantas</a:t>
-            </a:r>
-            <a:r>
               <a:rPr lang="en-US" dirty="0"/>
-              <a:t> </a:t>
-            </a:r>
-            <a:r>
-              <a:rPr lang="en-US" dirty="0" err="1"/>
-              <a:t>Jakubauskas</a:t>
-            </a:r>
-            <a:endParaRPr lang="en-US" dirty="0"/>
+              <a:t>Zygimantas Jakubauskas</a:t>
+            </a:r>
           </a:p>
           <a:p>
             <a:r>
@@ -4164,6 +4159,221 @@
     <p:extLst>
       <p:ext uri="{BB962C8B-B14F-4D97-AF65-F5344CB8AC3E}">
         <p14:creationId xmlns:p14="http://schemas.microsoft.com/office/powerpoint/2010/main" val="363920370"/>
+      </p:ext>
+    </p:extLst>
+  </p:cSld>
+  <p:clrMapOvr>
+    <a:masterClrMapping/>
+  </p:clrMapOvr>
+</p:sld>
+</file>
+
+<file path=ppt/slides/slide10.xml><?xml version="1.0" encoding="utf-8"?>
+<p:sld xmlns:a="http://schemas.openxmlformats.org/drawingml/2006/main" xmlns:r="http://schemas.openxmlformats.org/officeDocument/2006/relationships" xmlns:p="http://schemas.openxmlformats.org/presentationml/2006/main">
+  <p:cSld>
+    <p:spTree>
+      <p:nvGrpSpPr>
+        <p:cNvPr id="1" name=""/>
+        <p:cNvGrpSpPr/>
+        <p:nvPr/>
+      </p:nvGrpSpPr>
+      <p:grpSpPr>
+        <a:xfrm>
+          <a:off x="0" y="0"/>
+          <a:ext cx="0" cy="0"/>
+          <a:chOff x="0" y="0"/>
+          <a:chExt cx="0" cy="0"/>
+        </a:xfrm>
+      </p:grpSpPr>
+      <p:sp>
+        <p:nvSpPr>
+          <p:cNvPr id="2" name="Content Placeholder 5">
+            <a:extLst>
+              <a:ext uri="{FF2B5EF4-FFF2-40B4-BE49-F238E27FC236}">
+                <a16:creationId xmlns:a16="http://schemas.microsoft.com/office/drawing/2014/main" id="{C8B47F83-035F-3898-ACB7-537A58A78C5F}"/>
+              </a:ext>
+            </a:extLst>
+          </p:cNvPr>
+          <p:cNvSpPr txBox="1">
+            <a:spLocks/>
+          </p:cNvSpPr>
+          <p:nvPr/>
+        </p:nvSpPr>
+        <p:spPr>
+          <a:xfrm>
+            <a:off x="522130" y="2127914"/>
+            <a:ext cx="7970706" cy="2276294"/>
+          </a:xfrm>
+          <a:prstGeom prst="rect">
+            <a:avLst/>
+          </a:prstGeom>
+        </p:spPr>
+        <p:txBody>
+          <a:bodyPr/>
+          <a:lstStyle>
+            <a:lvl1pPr marL="342900" indent="-342900" algn="l" defTabSz="914400" rtl="0" eaLnBrk="1" latinLnBrk="0" hangingPunct="1">
+              <a:spcBef>
+                <a:spcPct val="20000"/>
+              </a:spcBef>
+              <a:buFont typeface="Arial" pitchFamily="34" charset="0"/>
+              <a:buChar char="•"/>
+              <a:defRPr sz="3200" kern="1200">
+                <a:solidFill>
+                  <a:schemeClr val="tx1"/>
+                </a:solidFill>
+                <a:latin typeface="+mn-lt"/>
+                <a:ea typeface="+mn-ea"/>
+                <a:cs typeface="+mn-cs"/>
+              </a:defRPr>
+            </a:lvl1pPr>
+            <a:lvl2pPr marL="742950" indent="-285750" algn="l" defTabSz="914400" rtl="0" eaLnBrk="1" latinLnBrk="0" hangingPunct="1">
+              <a:spcBef>
+                <a:spcPct val="20000"/>
+              </a:spcBef>
+              <a:buFont typeface="Arial" pitchFamily="34" charset="0"/>
+              <a:buChar char="–"/>
+              <a:defRPr sz="2800" kern="1200">
+                <a:solidFill>
+                  <a:schemeClr val="tx1"/>
+                </a:solidFill>
+                <a:latin typeface="+mn-lt"/>
+                <a:ea typeface="+mn-ea"/>
+                <a:cs typeface="+mn-cs"/>
+              </a:defRPr>
+            </a:lvl2pPr>
+            <a:lvl3pPr marL="1143000" indent="-228600" algn="l" defTabSz="914400" rtl="0" eaLnBrk="1" latinLnBrk="0" hangingPunct="1">
+              <a:spcBef>
+                <a:spcPct val="20000"/>
+              </a:spcBef>
+              <a:buFont typeface="Arial" pitchFamily="34" charset="0"/>
+              <a:buChar char="•"/>
+              <a:defRPr sz="2400" kern="1200">
+                <a:solidFill>
+                  <a:schemeClr val="tx1"/>
+                </a:solidFill>
+                <a:latin typeface="+mn-lt"/>
+                <a:ea typeface="+mn-ea"/>
+                <a:cs typeface="+mn-cs"/>
+              </a:defRPr>
+            </a:lvl3pPr>
+            <a:lvl4pPr marL="1600200" indent="-228600" algn="l" defTabSz="914400" rtl="0" eaLnBrk="1" latinLnBrk="0" hangingPunct="1">
+              <a:spcBef>
+                <a:spcPct val="20000"/>
+              </a:spcBef>
+              <a:buFont typeface="Arial" pitchFamily="34" charset="0"/>
+              <a:buChar char="–"/>
+              <a:defRPr sz="2000" kern="1200">
+                <a:solidFill>
+                  <a:schemeClr val="tx1"/>
+                </a:solidFill>
+                <a:latin typeface="+mn-lt"/>
+                <a:ea typeface="+mn-ea"/>
+                <a:cs typeface="+mn-cs"/>
+              </a:defRPr>
+            </a:lvl4pPr>
+            <a:lvl5pPr marL="2057400" indent="-228600" algn="l" defTabSz="914400" rtl="0" eaLnBrk="1" latinLnBrk="0" hangingPunct="1">
+              <a:spcBef>
+                <a:spcPct val="20000"/>
+              </a:spcBef>
+              <a:buFont typeface="Arial" pitchFamily="34" charset="0"/>
+              <a:buChar char="»"/>
+              <a:defRPr sz="2000" kern="1200">
+                <a:solidFill>
+                  <a:schemeClr val="tx1"/>
+                </a:solidFill>
+                <a:latin typeface="+mn-lt"/>
+                <a:ea typeface="+mn-ea"/>
+                <a:cs typeface="+mn-cs"/>
+              </a:defRPr>
+            </a:lvl5pPr>
+            <a:lvl6pPr marL="2514600" indent="-228600" algn="l" defTabSz="914400" rtl="0" eaLnBrk="1" latinLnBrk="0" hangingPunct="1">
+              <a:spcBef>
+                <a:spcPct val="20000"/>
+              </a:spcBef>
+              <a:buFont typeface="Arial" pitchFamily="34" charset="0"/>
+              <a:buChar char="•"/>
+              <a:defRPr sz="2000" kern="1200">
+                <a:solidFill>
+                  <a:schemeClr val="tx1"/>
+                </a:solidFill>
+                <a:latin typeface="+mn-lt"/>
+                <a:ea typeface="+mn-ea"/>
+                <a:cs typeface="+mn-cs"/>
+              </a:defRPr>
+            </a:lvl6pPr>
+            <a:lvl7pPr marL="2971800" indent="-228600" algn="l" defTabSz="914400" rtl="0" eaLnBrk="1" latinLnBrk="0" hangingPunct="1">
+              <a:spcBef>
+                <a:spcPct val="20000"/>
+              </a:spcBef>
+              <a:buFont typeface="Arial" pitchFamily="34" charset="0"/>
+              <a:buChar char="•"/>
+              <a:defRPr sz="2000" kern="1200">
+                <a:solidFill>
+                  <a:schemeClr val="tx1"/>
+                </a:solidFill>
+                <a:latin typeface="+mn-lt"/>
+                <a:ea typeface="+mn-ea"/>
+                <a:cs typeface="+mn-cs"/>
+              </a:defRPr>
+            </a:lvl7pPr>
+            <a:lvl8pPr marL="3429000" indent="-228600" algn="l" defTabSz="914400" rtl="0" eaLnBrk="1" latinLnBrk="0" hangingPunct="1">
+              <a:spcBef>
+                <a:spcPct val="20000"/>
+              </a:spcBef>
+              <a:buFont typeface="Arial" pitchFamily="34" charset="0"/>
+              <a:buChar char="•"/>
+              <a:defRPr sz="2000" kern="1200">
+                <a:solidFill>
+                  <a:schemeClr val="tx1"/>
+                </a:solidFill>
+                <a:latin typeface="+mn-lt"/>
+                <a:ea typeface="+mn-ea"/>
+                <a:cs typeface="+mn-cs"/>
+              </a:defRPr>
+            </a:lvl8pPr>
+            <a:lvl9pPr marL="3886200" indent="-228600" algn="l" defTabSz="914400" rtl="0" eaLnBrk="1" latinLnBrk="0" hangingPunct="1">
+              <a:spcBef>
+                <a:spcPct val="20000"/>
+              </a:spcBef>
+              <a:buFont typeface="Arial" pitchFamily="34" charset="0"/>
+              <a:buChar char="•"/>
+              <a:defRPr sz="2000" kern="1200">
+                <a:solidFill>
+                  <a:schemeClr val="tx1"/>
+                </a:solidFill>
+                <a:latin typeface="+mn-lt"/>
+                <a:ea typeface="+mn-ea"/>
+                <a:cs typeface="+mn-cs"/>
+              </a:defRPr>
+            </a:lvl9pPr>
+          </a:lstStyle>
+          <a:p>
+            <a:pPr marL="0" indent="0" algn="ctr">
+              <a:buNone/>
+            </a:pPr>
+            <a:r>
+              <a:rPr lang="en-US" dirty="0"/>
+              <a:t> </a:t>
+            </a:r>
+            <a:r>
+              <a:rPr lang="en-US" sz="8800" dirty="0">
+                <a:solidFill>
+                  <a:schemeClr val="bg1"/>
+                </a:solidFill>
+              </a:rPr>
+              <a:t>Thank you</a:t>
+            </a:r>
+            <a:r>
+              <a:rPr lang="en-US" dirty="0"/>
+              <a:t>. </a:t>
+            </a:r>
+          </a:p>
+        </p:txBody>
+      </p:sp>
+    </p:spTree>
+    <p:extLst>
+      <p:ext uri="{BB962C8B-B14F-4D97-AF65-F5344CB8AC3E}">
+        <p14:creationId xmlns:p14="http://schemas.microsoft.com/office/powerpoint/2010/main" val="109100692"/>
       </p:ext>
     </p:extLst>
   </p:cSld>
@@ -4300,7 +4510,12 @@
             <p:ph type="title"/>
           </p:nvPr>
         </p:nvSpPr>
-        <p:spPr/>
+        <p:spPr>
+          <a:xfrm>
+            <a:off x="1884218" y="406537"/>
+            <a:ext cx="6791670" cy="725349"/>
+          </a:xfrm>
+        </p:spPr>
         <p:txBody>
           <a:bodyPr>
             <a:normAutofit/>
@@ -4308,18 +4523,18 @@
           <a:lstStyle/>
           <a:p>
             <a:r>
-              <a:rPr lang="en-US" dirty="0"/>
-              <a:t>Time Spent on the Project </a:t>
+              <a:rPr lang="en-US" sz="3200" dirty="0"/>
+              <a:t>Time Spent on the Project for Miroslava</a:t>
             </a:r>
           </a:p>
         </p:txBody>
       </p:sp>
       <p:pic>
         <p:nvPicPr>
-          <p:cNvPr id="3" name="Content Placeholder 2">
+          <p:cNvPr id="7" name="Content Placeholder 6">
             <a:extLst>
               <a:ext uri="{FF2B5EF4-FFF2-40B4-BE49-F238E27FC236}">
-                <a16:creationId xmlns:a16="http://schemas.microsoft.com/office/drawing/2014/main" id="{B9BDC993-460A-3FD0-61C3-0370FE8C1857}"/>
+                <a16:creationId xmlns:a16="http://schemas.microsoft.com/office/drawing/2014/main" id="{0D908BE0-F07B-651F-81C5-E5966AC80CE1}"/>
               </a:ext>
             </a:extLst>
           </p:cNvPr>
@@ -4344,8 +4559,8 @@
         </p:blipFill>
         <p:spPr>
           <a:xfrm>
-            <a:off x="2508510" y="1212995"/>
-            <a:ext cx="5485014" cy="3419475"/>
+            <a:off x="2776889" y="1268413"/>
+            <a:ext cx="5530148" cy="3419475"/>
           </a:xfrm>
         </p:spPr>
       </p:pic>
@@ -4381,6 +4596,327 @@
       </p:grpSpPr>
       <p:sp>
         <p:nvSpPr>
+          <p:cNvPr id="4" name="Title 3"/>
+          <p:cNvSpPr>
+            <a:spLocks noGrp="1"/>
+          </p:cNvSpPr>
+          <p:nvPr>
+            <p:ph type="title"/>
+          </p:nvPr>
+        </p:nvSpPr>
+        <p:spPr>
+          <a:xfrm>
+            <a:off x="1884218" y="406537"/>
+            <a:ext cx="6791670" cy="725349"/>
+          </a:xfrm>
+        </p:spPr>
+        <p:txBody>
+          <a:bodyPr>
+            <a:normAutofit fontScale="90000"/>
+          </a:bodyPr>
+          <a:lstStyle/>
+          <a:p>
+            <a:r>
+              <a:rPr lang="en-US" sz="3200" dirty="0"/>
+              <a:t>Time Spent on the Project for Zygimantas</a:t>
+            </a:r>
+          </a:p>
+        </p:txBody>
+      </p:sp>
+      <p:pic>
+        <p:nvPicPr>
+          <p:cNvPr id="6" name="Content Placeholder 5">
+            <a:extLst>
+              <a:ext uri="{FF2B5EF4-FFF2-40B4-BE49-F238E27FC236}">
+                <a16:creationId xmlns:a16="http://schemas.microsoft.com/office/drawing/2014/main" id="{31C34614-F06C-8052-54DC-326D33B54116}"/>
+              </a:ext>
+            </a:extLst>
+          </p:cNvPr>
+          <p:cNvPicPr>
+            <a:picLocks noGrp="1" noChangeAspect="1"/>
+          </p:cNvPicPr>
+          <p:nvPr>
+            <p:ph idx="1"/>
+          </p:nvPr>
+        </p:nvPicPr>
+        <p:blipFill>
+          <a:blip r:embed="rId2">
+            <a:extLst>
+              <a:ext uri="{28A0092B-C50C-407E-A947-70E740481C1C}">
+                <a14:useLocalDpi xmlns:a14="http://schemas.microsoft.com/office/drawing/2010/main" val="0"/>
+              </a:ext>
+            </a:extLst>
+          </a:blip>
+          <a:stretch>
+            <a:fillRect/>
+          </a:stretch>
+        </p:blipFill>
+        <p:spPr>
+          <a:xfrm>
+            <a:off x="2776889" y="1268413"/>
+            <a:ext cx="5530148" cy="3419475"/>
+          </a:xfrm>
+        </p:spPr>
+      </p:pic>
+    </p:spTree>
+    <p:extLst>
+      <p:ext uri="{BB962C8B-B14F-4D97-AF65-F5344CB8AC3E}">
+        <p14:creationId xmlns:p14="http://schemas.microsoft.com/office/powerpoint/2010/main" val="3722071655"/>
+      </p:ext>
+    </p:extLst>
+  </p:cSld>
+  <p:clrMapOvr>
+    <a:masterClrMapping/>
+  </p:clrMapOvr>
+</p:sld>
+</file>
+
+<file path=ppt/slides/slide5.xml><?xml version="1.0" encoding="utf-8"?>
+<p:sld xmlns:a="http://schemas.openxmlformats.org/drawingml/2006/main" xmlns:r="http://schemas.openxmlformats.org/officeDocument/2006/relationships" xmlns:p="http://schemas.openxmlformats.org/presentationml/2006/main">
+  <p:cSld>
+    <p:spTree>
+      <p:nvGrpSpPr>
+        <p:cNvPr id="1" name=""/>
+        <p:cNvGrpSpPr/>
+        <p:nvPr/>
+      </p:nvGrpSpPr>
+      <p:grpSpPr>
+        <a:xfrm>
+          <a:off x="0" y="0"/>
+          <a:ext cx="0" cy="0"/>
+          <a:chOff x="0" y="0"/>
+          <a:chExt cx="0" cy="0"/>
+        </a:xfrm>
+      </p:grpSpPr>
+      <p:sp>
+        <p:nvSpPr>
+          <p:cNvPr id="2" name="Title 1">
+            <a:extLst>
+              <a:ext uri="{FF2B5EF4-FFF2-40B4-BE49-F238E27FC236}">
+                <a16:creationId xmlns:a16="http://schemas.microsoft.com/office/drawing/2014/main" id="{9DD5CFE4-5296-6103-6560-FEE7D6C6DD7A}"/>
+              </a:ext>
+            </a:extLst>
+          </p:cNvPr>
+          <p:cNvSpPr>
+            <a:spLocks noGrp="1"/>
+          </p:cNvSpPr>
+          <p:nvPr>
+            <p:ph type="title"/>
+          </p:nvPr>
+        </p:nvSpPr>
+        <p:spPr>
+          <a:xfrm>
+            <a:off x="1911928" y="406537"/>
+            <a:ext cx="2819400" cy="725349"/>
+          </a:xfrm>
+        </p:spPr>
+        <p:txBody>
+          <a:bodyPr/>
+          <a:lstStyle/>
+          <a:p>
+            <a:r>
+              <a:rPr lang="en-IE" dirty="0"/>
+              <a:t>Scaling </a:t>
+            </a:r>
+          </a:p>
+        </p:txBody>
+      </p:sp>
+      <p:pic>
+        <p:nvPicPr>
+          <p:cNvPr id="5" name="Content Placeholder 4">
+            <a:extLst>
+              <a:ext uri="{FF2B5EF4-FFF2-40B4-BE49-F238E27FC236}">
+                <a16:creationId xmlns:a16="http://schemas.microsoft.com/office/drawing/2014/main" id="{16C208DB-5630-3A84-803D-04EA1A0BC00D}"/>
+              </a:ext>
+            </a:extLst>
+          </p:cNvPr>
+          <p:cNvPicPr>
+            <a:picLocks noGrp="1" noChangeAspect="1"/>
+          </p:cNvPicPr>
+          <p:nvPr>
+            <p:ph idx="1"/>
+          </p:nvPr>
+        </p:nvPicPr>
+        <p:blipFill>
+          <a:blip r:embed="rId2">
+            <a:extLst>
+              <a:ext uri="{28A0092B-C50C-407E-A947-70E740481C1C}">
+                <a14:useLocalDpi xmlns:a14="http://schemas.microsoft.com/office/drawing/2010/main" val="0"/>
+              </a:ext>
+            </a:extLst>
+          </a:blip>
+          <a:stretch>
+            <a:fillRect/>
+          </a:stretch>
+        </p:blipFill>
+        <p:spPr>
+          <a:xfrm>
+            <a:off x="4338669" y="406537"/>
+            <a:ext cx="4038600" cy="2276475"/>
+          </a:xfrm>
+        </p:spPr>
+      </p:pic>
+      <p:pic>
+        <p:nvPicPr>
+          <p:cNvPr id="7" name="Picture 6">
+            <a:extLst>
+              <a:ext uri="{FF2B5EF4-FFF2-40B4-BE49-F238E27FC236}">
+                <a16:creationId xmlns:a16="http://schemas.microsoft.com/office/drawing/2014/main" id="{510E2A00-C93F-47A5-6AED-18E97440839D}"/>
+              </a:ext>
+            </a:extLst>
+          </p:cNvPr>
+          <p:cNvPicPr>
+            <a:picLocks noChangeAspect="1"/>
+          </p:cNvPicPr>
+          <p:nvPr/>
+        </p:nvPicPr>
+        <p:blipFill>
+          <a:blip r:embed="rId3">
+            <a:extLst>
+              <a:ext uri="{28A0092B-C50C-407E-A947-70E740481C1C}">
+                <a14:useLocalDpi xmlns:a14="http://schemas.microsoft.com/office/drawing/2010/main" val="0"/>
+              </a:ext>
+            </a:extLst>
+          </a:blip>
+          <a:stretch>
+            <a:fillRect/>
+          </a:stretch>
+        </p:blipFill>
+        <p:spPr>
+          <a:xfrm>
+            <a:off x="2603387" y="2774373"/>
+            <a:ext cx="4076700" cy="2266950"/>
+          </a:xfrm>
+          <a:prstGeom prst="rect">
+            <a:avLst/>
+          </a:prstGeom>
+        </p:spPr>
+      </p:pic>
+    </p:spTree>
+    <p:extLst>
+      <p:ext uri="{BB962C8B-B14F-4D97-AF65-F5344CB8AC3E}">
+        <p14:creationId xmlns:p14="http://schemas.microsoft.com/office/powerpoint/2010/main" val="1978591007"/>
+      </p:ext>
+    </p:extLst>
+  </p:cSld>
+  <p:clrMapOvr>
+    <a:masterClrMapping/>
+  </p:clrMapOvr>
+</p:sld>
+</file>
+
+<file path=ppt/slides/slide6.xml><?xml version="1.0" encoding="utf-8"?>
+<p:sld xmlns:a="http://schemas.openxmlformats.org/drawingml/2006/main" xmlns:r="http://schemas.openxmlformats.org/officeDocument/2006/relationships" xmlns:p="http://schemas.openxmlformats.org/presentationml/2006/main">
+  <p:cSld>
+    <p:spTree>
+      <p:nvGrpSpPr>
+        <p:cNvPr id="1" name=""/>
+        <p:cNvGrpSpPr/>
+        <p:nvPr/>
+      </p:nvGrpSpPr>
+      <p:grpSpPr>
+        <a:xfrm>
+          <a:off x="0" y="0"/>
+          <a:ext cx="0" cy="0"/>
+          <a:chOff x="0" y="0"/>
+          <a:chExt cx="0" cy="0"/>
+        </a:xfrm>
+      </p:grpSpPr>
+      <p:sp>
+        <p:nvSpPr>
+          <p:cNvPr id="2" name="Title 1">
+            <a:extLst>
+              <a:ext uri="{FF2B5EF4-FFF2-40B4-BE49-F238E27FC236}">
+                <a16:creationId xmlns:a16="http://schemas.microsoft.com/office/drawing/2014/main" id="{0F541C19-B836-45F0-63CC-DF953CC8B2A4}"/>
+              </a:ext>
+            </a:extLst>
+          </p:cNvPr>
+          <p:cNvSpPr>
+            <a:spLocks noGrp="1"/>
+          </p:cNvSpPr>
+          <p:nvPr>
+            <p:ph type="title"/>
+          </p:nvPr>
+        </p:nvSpPr>
+        <p:spPr/>
+        <p:txBody>
+          <a:bodyPr/>
+          <a:lstStyle/>
+          <a:p>
+            <a:r>
+              <a:rPr lang="en-IE" dirty="0"/>
+              <a:t>Confusion Matrix – TBD + more </a:t>
+            </a:r>
+          </a:p>
+        </p:txBody>
+      </p:sp>
+      <p:pic>
+        <p:nvPicPr>
+          <p:cNvPr id="5" name="Content Placeholder 4">
+            <a:extLst>
+              <a:ext uri="{FF2B5EF4-FFF2-40B4-BE49-F238E27FC236}">
+                <a16:creationId xmlns:a16="http://schemas.microsoft.com/office/drawing/2014/main" id="{64BB6641-F9A9-0D7A-FF22-6090C513253A}"/>
+              </a:ext>
+            </a:extLst>
+          </p:cNvPr>
+          <p:cNvPicPr>
+            <a:picLocks noGrp="1" noChangeAspect="1"/>
+          </p:cNvPicPr>
+          <p:nvPr>
+            <p:ph idx="1"/>
+          </p:nvPr>
+        </p:nvPicPr>
+        <p:blipFill>
+          <a:blip r:embed="rId2">
+            <a:extLst>
+              <a:ext uri="{28A0092B-C50C-407E-A947-70E740481C1C}">
+                <a14:useLocalDpi xmlns:a14="http://schemas.microsoft.com/office/drawing/2010/main" val="0"/>
+              </a:ext>
+            </a:extLst>
+          </a:blip>
+          <a:stretch>
+            <a:fillRect/>
+          </a:stretch>
+        </p:blipFill>
+        <p:spPr>
+          <a:xfrm>
+            <a:off x="3221182" y="1268413"/>
+            <a:ext cx="4601896" cy="3419475"/>
+          </a:xfrm>
+        </p:spPr>
+      </p:pic>
+    </p:spTree>
+    <p:extLst>
+      <p:ext uri="{BB962C8B-B14F-4D97-AF65-F5344CB8AC3E}">
+        <p14:creationId xmlns:p14="http://schemas.microsoft.com/office/powerpoint/2010/main" val="1654543985"/>
+      </p:ext>
+    </p:extLst>
+  </p:cSld>
+  <p:clrMapOvr>
+    <a:masterClrMapping/>
+  </p:clrMapOvr>
+</p:sld>
+</file>
+
+<file path=ppt/slides/slide7.xml><?xml version="1.0" encoding="utf-8"?>
+<p:sld xmlns:a="http://schemas.openxmlformats.org/drawingml/2006/main" xmlns:r="http://schemas.openxmlformats.org/officeDocument/2006/relationships" xmlns:p="http://schemas.openxmlformats.org/presentationml/2006/main">
+  <p:cSld>
+    <p:spTree>
+      <p:nvGrpSpPr>
+        <p:cNvPr id="1" name=""/>
+        <p:cNvGrpSpPr/>
+        <p:nvPr/>
+      </p:nvGrpSpPr>
+      <p:grpSpPr>
+        <a:xfrm>
+          <a:off x="0" y="0"/>
+          <a:ext cx="0" cy="0"/>
+          <a:chOff x="0" y="0"/>
+          <a:chExt cx="0" cy="0"/>
+        </a:xfrm>
+      </p:grpSpPr>
+      <p:sp>
+        <p:nvSpPr>
           <p:cNvPr id="2" name="Title 1">
             <a:extLst>
               <a:ext uri="{FF2B5EF4-FFF2-40B4-BE49-F238E27FC236}">
@@ -4397,24 +4933,14 @@
         </p:nvSpPr>
         <p:spPr/>
         <p:txBody>
-          <a:bodyPr/>
-          <a:lstStyle/>
-          <a:p>
-            <a:r>
-              <a:rPr lang="en-IE" dirty="0" err="1"/>
-              <a:t>Bla</a:t>
-            </a:r>
+          <a:bodyPr>
+            <a:normAutofit fontScale="90000"/>
+          </a:bodyPr>
+          <a:lstStyle/>
+          <a:p>
             <a:r>
               <a:rPr lang="en-IE" dirty="0"/>
-              <a:t> </a:t>
-            </a:r>
-            <a:r>
-              <a:rPr lang="en-IE" dirty="0" err="1"/>
-              <a:t>bla</a:t>
-            </a:r>
-            <a:r>
-              <a:rPr lang="en-IE" dirty="0"/>
-              <a:t> </a:t>
+              <a:t>Do we show both 20 and 10 or just 10</a:t>
             </a:r>
           </a:p>
         </p:txBody>
@@ -4467,7 +4993,7 @@
 </p:sld>
 </file>
 
-<file path=ppt/slides/slide5.xml><?xml version="1.0" encoding="utf-8"?>
+<file path=ppt/slides/slide8.xml><?xml version="1.0" encoding="utf-8"?>
 <p:sld xmlns:a="http://schemas.openxmlformats.org/drawingml/2006/main" xmlns:r="http://schemas.openxmlformats.org/officeDocument/2006/relationships" xmlns:p="http://schemas.openxmlformats.org/presentationml/2006/main">
   <p:cSld>
     <p:spTree>
@@ -4486,7 +5012,13 @@
       </p:grpSpPr>
       <p:sp>
         <p:nvSpPr>
-          <p:cNvPr id="4" name="Title 3"/>
+          <p:cNvPr id="2" name="Title 1">
+            <a:extLst>
+              <a:ext uri="{FF2B5EF4-FFF2-40B4-BE49-F238E27FC236}">
+                <a16:creationId xmlns:a16="http://schemas.microsoft.com/office/drawing/2014/main" id="{5D680AFF-406F-0D1D-E788-5E0B3F6CB8A0}"/>
+              </a:ext>
+            </a:extLst>
+          </p:cNvPr>
           <p:cNvSpPr>
             <a:spLocks noGrp="1"/>
           </p:cNvSpPr>
@@ -4496,26 +5028,27 @@
         </p:nvSpPr>
         <p:spPr/>
         <p:txBody>
-          <a:bodyPr>
-            <a:normAutofit/>
-          </a:bodyPr>
-          <a:lstStyle/>
-          <a:p>
-            <a:r>
-              <a:rPr lang="en-US" dirty="0"/>
-              <a:t>Slide Title</a:t>
-            </a:r>
-          </a:p>
-        </p:txBody>
-      </p:sp>
-      <p:sp>
-        <p:nvSpPr>
-          <p:cNvPr id="5" name="Text Placeholder 4"/>
-          <p:cNvSpPr>
-            <a:spLocks noGrp="1"/>
-          </p:cNvSpPr>
-          <p:nvPr>
-            <p:ph type="body" idx="1"/>
+          <a:bodyPr/>
+          <a:lstStyle/>
+          <a:p>
+            <a:endParaRPr lang="en-IE"/>
+          </a:p>
+        </p:txBody>
+      </p:sp>
+      <p:sp>
+        <p:nvSpPr>
+          <p:cNvPr id="3" name="Content Placeholder 2">
+            <a:extLst>
+              <a:ext uri="{FF2B5EF4-FFF2-40B4-BE49-F238E27FC236}">
+                <a16:creationId xmlns:a16="http://schemas.microsoft.com/office/drawing/2014/main" id="{60E9B973-1F4D-8E44-51DF-FC9F31F7721F}"/>
+              </a:ext>
+            </a:extLst>
+          </p:cNvPr>
+          <p:cNvSpPr>
+            <a:spLocks noGrp="1"/>
+          </p:cNvSpPr>
+          <p:nvPr>
+            <p:ph idx="1"/>
           </p:nvPr>
         </p:nvSpPr>
         <p:spPr/>
@@ -4523,108 +5056,14 @@
           <a:bodyPr/>
           <a:lstStyle/>
           <a:p>
-            <a:r>
-              <a:rPr lang="en-US"/>
-              <a:t>Product A</a:t>
-            </a:r>
-            <a:endParaRPr lang="en-US" dirty="0"/>
-          </a:p>
-        </p:txBody>
-      </p:sp>
-      <p:sp>
-        <p:nvSpPr>
-          <p:cNvPr id="6" name="Content Placeholder 5"/>
-          <p:cNvSpPr>
-            <a:spLocks noGrp="1"/>
-          </p:cNvSpPr>
-          <p:nvPr>
-            <p:ph sz="half" idx="2"/>
-          </p:nvPr>
-        </p:nvSpPr>
-        <p:spPr/>
-        <p:txBody>
-          <a:bodyPr/>
-          <a:lstStyle/>
-          <a:p>
-            <a:r>
-              <a:rPr lang="en-US" dirty="0"/>
-              <a:t>Feature 1</a:t>
-            </a:r>
-          </a:p>
-          <a:p>
-            <a:r>
-              <a:rPr lang="en-US" dirty="0"/>
-              <a:t>Feature 2</a:t>
-            </a:r>
-          </a:p>
-          <a:p>
-            <a:r>
-              <a:rPr lang="en-US" dirty="0"/>
-              <a:t>Feature 3</a:t>
-            </a:r>
-          </a:p>
-        </p:txBody>
-      </p:sp>
-      <p:sp>
-        <p:nvSpPr>
-          <p:cNvPr id="7" name="Text Placeholder 6"/>
-          <p:cNvSpPr>
-            <a:spLocks noGrp="1"/>
-          </p:cNvSpPr>
-          <p:nvPr>
-            <p:ph type="body" sz="quarter" idx="3"/>
-          </p:nvPr>
-        </p:nvSpPr>
-        <p:spPr/>
-        <p:txBody>
-          <a:bodyPr/>
-          <a:lstStyle/>
-          <a:p>
-            <a:r>
-              <a:rPr lang="en-US"/>
-              <a:t>Product B</a:t>
-            </a:r>
-          </a:p>
-        </p:txBody>
-      </p:sp>
-      <p:sp>
-        <p:nvSpPr>
-          <p:cNvPr id="8" name="Content Placeholder 7"/>
-          <p:cNvSpPr>
-            <a:spLocks noGrp="1"/>
-          </p:cNvSpPr>
-          <p:nvPr>
-            <p:ph sz="quarter" idx="4"/>
-          </p:nvPr>
-        </p:nvSpPr>
-        <p:spPr/>
-        <p:txBody>
-          <a:bodyPr/>
-          <a:lstStyle/>
-          <a:p>
-            <a:r>
-              <a:rPr lang="en-US"/>
-              <a:t>Feature 1</a:t>
-            </a:r>
-          </a:p>
-          <a:p>
-            <a:r>
-              <a:rPr lang="en-US"/>
-              <a:t>Feature 2</a:t>
-            </a:r>
-          </a:p>
-          <a:p>
-            <a:r>
-              <a:rPr lang="en-US"/>
-              <a:t>Feature 3</a:t>
-            </a:r>
+            <a:endParaRPr lang="en-IE" dirty="0"/>
           </a:p>
         </p:txBody>
       </p:sp>
     </p:spTree>
     <p:extLst>
       <p:ext uri="{BB962C8B-B14F-4D97-AF65-F5344CB8AC3E}">
-        <p14:creationId xmlns:p14="http://schemas.microsoft.com/office/powerpoint/2010/main" val="4170783713"/>
+        <p14:creationId xmlns:p14="http://schemas.microsoft.com/office/powerpoint/2010/main" val="2504445905"/>
       </p:ext>
     </p:extLst>
   </p:cSld>
@@ -4634,7 +5073,7 @@
 </p:sld>
 </file>
 
-<file path=ppt/slides/slide6.xml><?xml version="1.0" encoding="utf-8"?>
+<file path=ppt/slides/slide9.xml><?xml version="1.0" encoding="utf-8"?>
 <p:sld xmlns:a="http://schemas.openxmlformats.org/drawingml/2006/main" xmlns:r="http://schemas.openxmlformats.org/officeDocument/2006/relationships" xmlns:p="http://schemas.openxmlformats.org/presentationml/2006/main">
   <p:cSld>
     <p:spTree>
@@ -4653,185 +5092,137 @@
       </p:grpSpPr>
       <p:sp>
         <p:nvSpPr>
-          <p:cNvPr id="2" name="Content Placeholder 5">
-            <a:extLst>
-              <a:ext uri="{FF2B5EF4-FFF2-40B4-BE49-F238E27FC236}">
-                <a16:creationId xmlns:a16="http://schemas.microsoft.com/office/drawing/2014/main" id="{C8B47F83-035F-3898-ACB7-537A58A78C5F}"/>
-              </a:ext>
-            </a:extLst>
-          </p:cNvPr>
-          <p:cNvSpPr txBox="1">
-            <a:spLocks/>
-          </p:cNvSpPr>
-          <p:nvPr/>
-        </p:nvSpPr>
-        <p:spPr>
-          <a:xfrm>
-            <a:off x="522130" y="2127914"/>
-            <a:ext cx="7970706" cy="2276294"/>
-          </a:xfrm>
-          <a:prstGeom prst="rect">
-            <a:avLst/>
-          </a:prstGeom>
-        </p:spPr>
-        <p:txBody>
-          <a:bodyPr/>
-          <a:lstStyle>
-            <a:lvl1pPr marL="342900" indent="-342900" algn="l" defTabSz="914400" rtl="0" eaLnBrk="1" latinLnBrk="0" hangingPunct="1">
-              <a:spcBef>
-                <a:spcPct val="20000"/>
-              </a:spcBef>
-              <a:buFont typeface="Arial" pitchFamily="34" charset="0"/>
-              <a:buChar char="•"/>
-              <a:defRPr sz="3200" kern="1200">
-                <a:solidFill>
-                  <a:schemeClr val="tx1"/>
-                </a:solidFill>
-                <a:latin typeface="+mn-lt"/>
-                <a:ea typeface="+mn-ea"/>
-                <a:cs typeface="+mn-cs"/>
-              </a:defRPr>
-            </a:lvl1pPr>
-            <a:lvl2pPr marL="742950" indent="-285750" algn="l" defTabSz="914400" rtl="0" eaLnBrk="1" latinLnBrk="0" hangingPunct="1">
-              <a:spcBef>
-                <a:spcPct val="20000"/>
-              </a:spcBef>
-              <a:buFont typeface="Arial" pitchFamily="34" charset="0"/>
-              <a:buChar char="–"/>
-              <a:defRPr sz="2800" kern="1200">
-                <a:solidFill>
-                  <a:schemeClr val="tx1"/>
-                </a:solidFill>
-                <a:latin typeface="+mn-lt"/>
-                <a:ea typeface="+mn-ea"/>
-                <a:cs typeface="+mn-cs"/>
-              </a:defRPr>
-            </a:lvl2pPr>
-            <a:lvl3pPr marL="1143000" indent="-228600" algn="l" defTabSz="914400" rtl="0" eaLnBrk="1" latinLnBrk="0" hangingPunct="1">
-              <a:spcBef>
-                <a:spcPct val="20000"/>
-              </a:spcBef>
-              <a:buFont typeface="Arial" pitchFamily="34" charset="0"/>
-              <a:buChar char="•"/>
-              <a:defRPr sz="2400" kern="1200">
-                <a:solidFill>
-                  <a:schemeClr val="tx1"/>
-                </a:solidFill>
-                <a:latin typeface="+mn-lt"/>
-                <a:ea typeface="+mn-ea"/>
-                <a:cs typeface="+mn-cs"/>
-              </a:defRPr>
-            </a:lvl3pPr>
-            <a:lvl4pPr marL="1600200" indent="-228600" algn="l" defTabSz="914400" rtl="0" eaLnBrk="1" latinLnBrk="0" hangingPunct="1">
-              <a:spcBef>
-                <a:spcPct val="20000"/>
-              </a:spcBef>
-              <a:buFont typeface="Arial" pitchFamily="34" charset="0"/>
-              <a:buChar char="–"/>
-              <a:defRPr sz="2000" kern="1200">
-                <a:solidFill>
-                  <a:schemeClr val="tx1"/>
-                </a:solidFill>
-                <a:latin typeface="+mn-lt"/>
-                <a:ea typeface="+mn-ea"/>
-                <a:cs typeface="+mn-cs"/>
-              </a:defRPr>
-            </a:lvl4pPr>
-            <a:lvl5pPr marL="2057400" indent="-228600" algn="l" defTabSz="914400" rtl="0" eaLnBrk="1" latinLnBrk="0" hangingPunct="1">
-              <a:spcBef>
-                <a:spcPct val="20000"/>
-              </a:spcBef>
-              <a:buFont typeface="Arial" pitchFamily="34" charset="0"/>
-              <a:buChar char="»"/>
-              <a:defRPr sz="2000" kern="1200">
-                <a:solidFill>
-                  <a:schemeClr val="tx1"/>
-                </a:solidFill>
-                <a:latin typeface="+mn-lt"/>
-                <a:ea typeface="+mn-ea"/>
-                <a:cs typeface="+mn-cs"/>
-              </a:defRPr>
-            </a:lvl5pPr>
-            <a:lvl6pPr marL="2514600" indent="-228600" algn="l" defTabSz="914400" rtl="0" eaLnBrk="1" latinLnBrk="0" hangingPunct="1">
-              <a:spcBef>
-                <a:spcPct val="20000"/>
-              </a:spcBef>
-              <a:buFont typeface="Arial" pitchFamily="34" charset="0"/>
-              <a:buChar char="•"/>
-              <a:defRPr sz="2000" kern="1200">
-                <a:solidFill>
-                  <a:schemeClr val="tx1"/>
-                </a:solidFill>
-                <a:latin typeface="+mn-lt"/>
-                <a:ea typeface="+mn-ea"/>
-                <a:cs typeface="+mn-cs"/>
-              </a:defRPr>
-            </a:lvl6pPr>
-            <a:lvl7pPr marL="2971800" indent="-228600" algn="l" defTabSz="914400" rtl="0" eaLnBrk="1" latinLnBrk="0" hangingPunct="1">
-              <a:spcBef>
-                <a:spcPct val="20000"/>
-              </a:spcBef>
-              <a:buFont typeface="Arial" pitchFamily="34" charset="0"/>
-              <a:buChar char="•"/>
-              <a:defRPr sz="2000" kern="1200">
-                <a:solidFill>
-                  <a:schemeClr val="tx1"/>
-                </a:solidFill>
-                <a:latin typeface="+mn-lt"/>
-                <a:ea typeface="+mn-ea"/>
-                <a:cs typeface="+mn-cs"/>
-              </a:defRPr>
-            </a:lvl7pPr>
-            <a:lvl8pPr marL="3429000" indent="-228600" algn="l" defTabSz="914400" rtl="0" eaLnBrk="1" latinLnBrk="0" hangingPunct="1">
-              <a:spcBef>
-                <a:spcPct val="20000"/>
-              </a:spcBef>
-              <a:buFont typeface="Arial" pitchFamily="34" charset="0"/>
-              <a:buChar char="•"/>
-              <a:defRPr sz="2000" kern="1200">
-                <a:solidFill>
-                  <a:schemeClr val="tx1"/>
-                </a:solidFill>
-                <a:latin typeface="+mn-lt"/>
-                <a:ea typeface="+mn-ea"/>
-                <a:cs typeface="+mn-cs"/>
-              </a:defRPr>
-            </a:lvl8pPr>
-            <a:lvl9pPr marL="3886200" indent="-228600" algn="l" defTabSz="914400" rtl="0" eaLnBrk="1" latinLnBrk="0" hangingPunct="1">
-              <a:spcBef>
-                <a:spcPct val="20000"/>
-              </a:spcBef>
-              <a:buFont typeface="Arial" pitchFamily="34" charset="0"/>
-              <a:buChar char="•"/>
-              <a:defRPr sz="2000" kern="1200">
-                <a:solidFill>
-                  <a:schemeClr val="tx1"/>
-                </a:solidFill>
-                <a:latin typeface="+mn-lt"/>
-                <a:ea typeface="+mn-ea"/>
-                <a:cs typeface="+mn-cs"/>
-              </a:defRPr>
-            </a:lvl9pPr>
-          </a:lstStyle>
-          <a:p>
-            <a:pPr marL="0" indent="0" algn="ctr">
-              <a:buNone/>
-            </a:pPr>
+          <p:cNvPr id="4" name="Title 3"/>
+          <p:cNvSpPr>
+            <a:spLocks noGrp="1"/>
+          </p:cNvSpPr>
+          <p:nvPr>
+            <p:ph type="title"/>
+          </p:nvPr>
+        </p:nvSpPr>
+        <p:spPr/>
+        <p:txBody>
+          <a:bodyPr>
+            <a:normAutofit/>
+          </a:bodyPr>
+          <a:lstStyle/>
+          <a:p>
             <a:r>
               <a:rPr lang="en-US" dirty="0"/>
-              <a:t> </a:t>
-            </a:r>
-            <a:r>
-              <a:rPr lang="en-US" sz="8800" dirty="0">
-                <a:solidFill>
-                  <a:schemeClr val="bg1"/>
-                </a:solidFill>
-              </a:rPr>
-              <a:t>Thank you</a:t>
-            </a:r>
+              <a:t>Slide Title</a:t>
+            </a:r>
+          </a:p>
+        </p:txBody>
+      </p:sp>
+      <p:sp>
+        <p:nvSpPr>
+          <p:cNvPr id="5" name="Text Placeholder 4"/>
+          <p:cNvSpPr>
+            <a:spLocks noGrp="1"/>
+          </p:cNvSpPr>
+          <p:nvPr>
+            <p:ph type="body" idx="1"/>
+          </p:nvPr>
+        </p:nvSpPr>
+        <p:spPr/>
+        <p:txBody>
+          <a:bodyPr/>
+          <a:lstStyle/>
+          <a:p>
+            <a:r>
+              <a:rPr lang="en-US"/>
+              <a:t>Product A</a:t>
+            </a:r>
+            <a:endParaRPr lang="en-US" dirty="0"/>
+          </a:p>
+        </p:txBody>
+      </p:sp>
+      <p:sp>
+        <p:nvSpPr>
+          <p:cNvPr id="6" name="Content Placeholder 5"/>
+          <p:cNvSpPr>
+            <a:spLocks noGrp="1"/>
+          </p:cNvSpPr>
+          <p:nvPr>
+            <p:ph sz="half" idx="2"/>
+          </p:nvPr>
+        </p:nvSpPr>
+        <p:spPr/>
+        <p:txBody>
+          <a:bodyPr/>
+          <a:lstStyle/>
+          <a:p>
             <a:r>
               <a:rPr lang="en-US" dirty="0"/>
-              <a:t>. </a:t>
+              <a:t>Feature 1</a:t>
+            </a:r>
+          </a:p>
+          <a:p>
+            <a:r>
+              <a:rPr lang="en-US" dirty="0"/>
+              <a:t>Feature 2</a:t>
+            </a:r>
+          </a:p>
+          <a:p>
+            <a:r>
+              <a:rPr lang="en-US" dirty="0"/>
+              <a:t>Feature 3</a:t>
+            </a:r>
+          </a:p>
+        </p:txBody>
+      </p:sp>
+      <p:sp>
+        <p:nvSpPr>
+          <p:cNvPr id="7" name="Text Placeholder 6"/>
+          <p:cNvSpPr>
+            <a:spLocks noGrp="1"/>
+          </p:cNvSpPr>
+          <p:nvPr>
+            <p:ph type="body" sz="quarter" idx="3"/>
+          </p:nvPr>
+        </p:nvSpPr>
+        <p:spPr/>
+        <p:txBody>
+          <a:bodyPr/>
+          <a:lstStyle/>
+          <a:p>
+            <a:r>
+              <a:rPr lang="en-US"/>
+              <a:t>Product B</a:t>
+            </a:r>
+          </a:p>
+        </p:txBody>
+      </p:sp>
+      <p:sp>
+        <p:nvSpPr>
+          <p:cNvPr id="8" name="Content Placeholder 7"/>
+          <p:cNvSpPr>
+            <a:spLocks noGrp="1"/>
+          </p:cNvSpPr>
+          <p:nvPr>
+            <p:ph sz="quarter" idx="4"/>
+          </p:nvPr>
+        </p:nvSpPr>
+        <p:spPr/>
+        <p:txBody>
+          <a:bodyPr/>
+          <a:lstStyle/>
+          <a:p>
+            <a:r>
+              <a:rPr lang="en-US"/>
+              <a:t>Feature 1</a:t>
+            </a:r>
+          </a:p>
+          <a:p>
+            <a:r>
+              <a:rPr lang="en-US"/>
+              <a:t>Feature 2</a:t>
+            </a:r>
+          </a:p>
+          <a:p>
+            <a:r>
+              <a:rPr lang="en-US"/>
+              <a:t>Feature 3</a:t>
             </a:r>
           </a:p>
         </p:txBody>
@@ -4839,7 +5230,7 @@
     </p:spTree>
     <p:extLst>
       <p:ext uri="{BB962C8B-B14F-4D97-AF65-F5344CB8AC3E}">
-        <p14:creationId xmlns:p14="http://schemas.microsoft.com/office/powerpoint/2010/main" val="109100692"/>
+        <p14:creationId xmlns:p14="http://schemas.microsoft.com/office/powerpoint/2010/main" val="4170783713"/>
       </p:ext>
     </p:extLst>
   </p:cSld>

--- a/ML/PPT_ML_CA1_26 Nov 23.pptx
+++ b/ML/PPT_ML_CA1_26 Nov 23.pptx
@@ -5026,40 +5026,60 @@
             <p:ph type="title"/>
           </p:nvPr>
         </p:nvSpPr>
-        <p:spPr/>
-        <p:txBody>
-          <a:bodyPr/>
-          <a:lstStyle/>
-          <a:p>
-            <a:endParaRPr lang="en-IE"/>
-          </a:p>
-        </p:txBody>
-      </p:sp>
-      <p:sp>
-        <p:nvSpPr>
-          <p:cNvPr id="3" name="Content Placeholder 2">
+        <p:spPr>
+          <a:xfrm>
+            <a:off x="2020711" y="293511"/>
+            <a:ext cx="6655177" cy="677333"/>
+          </a:xfrm>
+        </p:spPr>
+        <p:txBody>
+          <a:bodyPr>
+            <a:normAutofit/>
+          </a:bodyPr>
+          <a:lstStyle/>
+          <a:p>
+            <a:r>
+              <a:rPr lang="en-IE" dirty="0"/>
+              <a:t>Heat Map </a:t>
+            </a:r>
+          </a:p>
+        </p:txBody>
+      </p:sp>
+      <p:pic>
+        <p:nvPicPr>
+          <p:cNvPr id="5" name="Content Placeholder 4">
             <a:extLst>
               <a:ext uri="{FF2B5EF4-FFF2-40B4-BE49-F238E27FC236}">
-                <a16:creationId xmlns:a16="http://schemas.microsoft.com/office/drawing/2014/main" id="{60E9B973-1F4D-8E44-51DF-FC9F31F7721F}"/>
+                <a16:creationId xmlns:a16="http://schemas.microsoft.com/office/drawing/2014/main" id="{681381C9-718A-2085-51A5-87EFC7CE3662}"/>
               </a:ext>
             </a:extLst>
           </p:cNvPr>
-          <p:cNvSpPr>
-            <a:spLocks noGrp="1"/>
-          </p:cNvSpPr>
+          <p:cNvPicPr>
+            <a:picLocks noGrp="1" noChangeAspect="1"/>
+          </p:cNvPicPr>
           <p:nvPr>
             <p:ph idx="1"/>
           </p:nvPr>
-        </p:nvSpPr>
-        <p:spPr/>
-        <p:txBody>
-          <a:bodyPr/>
-          <a:lstStyle/>
-          <a:p>
-            <a:endParaRPr lang="en-IE" dirty="0"/>
-          </a:p>
-        </p:txBody>
-      </p:sp>
+        </p:nvPicPr>
+        <p:blipFill>
+          <a:blip r:embed="rId2">
+            <a:extLst>
+              <a:ext uri="{28A0092B-C50C-407E-A947-70E740481C1C}">
+                <a14:useLocalDpi xmlns:a14="http://schemas.microsoft.com/office/drawing/2010/main" val="0"/>
+              </a:ext>
+            </a:extLst>
+          </a:blip>
+          <a:stretch>
+            <a:fillRect/>
+          </a:stretch>
+        </p:blipFill>
+        <p:spPr>
+          <a:xfrm>
+            <a:off x="2968978" y="970844"/>
+            <a:ext cx="5125155" cy="3973689"/>
+          </a:xfrm>
+        </p:spPr>
+      </p:pic>
     </p:spTree>
     <p:extLst>
       <p:ext uri="{BB962C8B-B14F-4D97-AF65-F5344CB8AC3E}">

--- a/ML/PPT_ML_CA1_26 Nov 23.pptx
+++ b/ML/PPT_ML_CA1_26 Nov 23.pptx
@@ -5,19 +5,20 @@
     <p:sldMasterId id="2147483648" r:id="rId1"/>
   </p:sldMasterIdLst>
   <p:notesMasterIdLst>
-    <p:notesMasterId r:id="rId12"/>
+    <p:notesMasterId r:id="rId13"/>
   </p:notesMasterIdLst>
   <p:sldIdLst>
     <p:sldId id="256" r:id="rId2"/>
     <p:sldId id="257" r:id="rId3"/>
-    <p:sldId id="259" r:id="rId4"/>
-    <p:sldId id="262" r:id="rId5"/>
-    <p:sldId id="264" r:id="rId6"/>
+    <p:sldId id="263" r:id="rId4"/>
+    <p:sldId id="264" r:id="rId5"/>
+    <p:sldId id="266" r:id="rId6"/>
     <p:sldId id="265" r:id="rId7"/>
     <p:sldId id="261" r:id="rId8"/>
-    <p:sldId id="263" r:id="rId9"/>
-    <p:sldId id="258" r:id="rId10"/>
-    <p:sldId id="260" r:id="rId11"/>
+    <p:sldId id="259" r:id="rId9"/>
+    <p:sldId id="262" r:id="rId10"/>
+    <p:sldId id="258" r:id="rId11"/>
+    <p:sldId id="260" r:id="rId12"/>
   </p:sldIdLst>
   <p:sldSz cx="9144000" cy="5143500" type="screen16x9"/>
   <p:notesSz cx="6858000" cy="9144000"/>
@@ -217,7 +218,7 @@
           <a:p>
             <a:fld id="{C8D18E60-4300-4729-A0D7-6AB984C3922D}" type="datetimeFigureOut">
               <a:rPr lang="en-US" smtClean="0"/>
-              <a:t>11/25/2023</a:t>
+              <a:t>11/26/2023</a:t>
             </a:fld>
             <a:endParaRPr lang="en-US"/>
           </a:p>
@@ -549,7 +550,7 @@
           <a:p>
             <a:fld id="{87350B06-B074-48FC-8CFD-53D2CD8FB95F}" type="slidenum">
               <a:rPr lang="en-US" smtClean="0"/>
-              <a:t>10</a:t>
+              <a:t>11</a:t>
             </a:fld>
             <a:endParaRPr lang="en-US"/>
           </a:p>
@@ -787,7 +788,7 @@
             <a:fld id="{53074F12-AA26-4AC8-9962-C36BB8F32554}" type="datetimeFigureOut">
               <a:rPr lang="en-US" smtClean="0"/>
               <a:pPr/>
-              <a:t>11/25/2023</a:t>
+              <a:t>11/26/2023</a:t>
             </a:fld>
             <a:endParaRPr lang="en-US"/>
           </a:p>
@@ -1041,7 +1042,7 @@
             <a:fld id="{53074F12-AA26-4AC8-9962-C36BB8F32554}" type="datetimeFigureOut">
               <a:rPr lang="en-US" smtClean="0"/>
               <a:pPr/>
-              <a:t>11/25/2023</a:t>
+              <a:t>11/26/2023</a:t>
             </a:fld>
             <a:endParaRPr lang="en-US"/>
           </a:p>
@@ -1211,7 +1212,7 @@
             <a:fld id="{53074F12-AA26-4AC8-9962-C36BB8F32554}" type="datetimeFigureOut">
               <a:rPr lang="en-US" smtClean="0"/>
               <a:pPr/>
-              <a:t>11/25/2023</a:t>
+              <a:t>11/26/2023</a:t>
             </a:fld>
             <a:endParaRPr lang="en-US"/>
           </a:p>
@@ -1391,7 +1392,7 @@
             <a:fld id="{53074F12-AA26-4AC8-9962-C36BB8F32554}" type="datetimeFigureOut">
               <a:rPr lang="en-US" smtClean="0"/>
               <a:pPr/>
-              <a:t>11/25/2023</a:t>
+              <a:t>11/26/2023</a:t>
             </a:fld>
             <a:endParaRPr lang="en-US"/>
           </a:p>
@@ -1673,7 +1674,7 @@
             <a:fld id="{53074F12-AA26-4AC8-9962-C36BB8F32554}" type="datetimeFigureOut">
               <a:rPr lang="en-US" smtClean="0"/>
               <a:pPr/>
-              <a:t>11/25/2023</a:t>
+              <a:t>11/26/2023</a:t>
             </a:fld>
             <a:endParaRPr lang="en-US"/>
           </a:p>
@@ -1920,7 +1921,7 @@
             <a:fld id="{53074F12-AA26-4AC8-9962-C36BB8F32554}" type="datetimeFigureOut">
               <a:rPr lang="en-US" smtClean="0"/>
               <a:pPr/>
-              <a:t>11/25/2023</a:t>
+              <a:t>11/26/2023</a:t>
             </a:fld>
             <a:endParaRPr lang="en-US"/>
           </a:p>
@@ -2167,7 +2168,7 @@
             <a:fld id="{53074F12-AA26-4AC8-9962-C36BB8F32554}" type="datetimeFigureOut">
               <a:rPr lang="en-US" smtClean="0"/>
               <a:pPr/>
-              <a:t>11/25/2023</a:t>
+              <a:t>11/26/2023</a:t>
             </a:fld>
             <a:endParaRPr lang="en-US"/>
           </a:p>
@@ -2454,7 +2455,7 @@
             <a:fld id="{53074F12-AA26-4AC8-9962-C36BB8F32554}" type="datetimeFigureOut">
               <a:rPr lang="en-US" smtClean="0"/>
               <a:pPr/>
-              <a:t>11/25/2023</a:t>
+              <a:t>11/26/2023</a:t>
             </a:fld>
             <a:endParaRPr lang="en-US"/>
           </a:p>
@@ -2941,7 +2942,7 @@
             <a:fld id="{53074F12-AA26-4AC8-9962-C36BB8F32554}" type="datetimeFigureOut">
               <a:rPr lang="en-US" smtClean="0"/>
               <a:pPr/>
-              <a:t>11/25/2023</a:t>
+              <a:t>11/26/2023</a:t>
             </a:fld>
             <a:endParaRPr lang="en-US"/>
           </a:p>
@@ -3060,7 +3061,7 @@
             <a:fld id="{53074F12-AA26-4AC8-9962-C36BB8F32554}" type="datetimeFigureOut">
               <a:rPr lang="en-US" smtClean="0"/>
               <a:pPr/>
-              <a:t>11/25/2023</a:t>
+              <a:t>11/26/2023</a:t>
             </a:fld>
             <a:endParaRPr lang="en-US"/>
           </a:p>
@@ -3157,7 +3158,7 @@
             <a:fld id="{53074F12-AA26-4AC8-9962-C36BB8F32554}" type="datetimeFigureOut">
               <a:rPr lang="en-US" smtClean="0"/>
               <a:pPr/>
-              <a:t>11/25/2023</a:t>
+              <a:t>11/26/2023</a:t>
             </a:fld>
             <a:endParaRPr lang="en-US"/>
           </a:p>
@@ -3434,7 +3435,7 @@
             <a:fld id="{53074F12-AA26-4AC8-9962-C36BB8F32554}" type="datetimeFigureOut">
               <a:rPr lang="en-US" smtClean="0"/>
               <a:pPr/>
-              <a:t>11/25/2023</a:t>
+              <a:t>11/26/2023</a:t>
             </a:fld>
             <a:endParaRPr lang="en-US"/>
           </a:p>
@@ -3656,7 +3657,7 @@
             <a:fld id="{53074F12-AA26-4AC8-9962-C36BB8F32554}" type="datetimeFigureOut">
               <a:rPr lang="en-US" smtClean="0"/>
               <a:pPr/>
-              <a:t>11/25/2023</a:t>
+              <a:t>11/26/2023</a:t>
             </a:fld>
             <a:endParaRPr lang="en-US"/>
           </a:p>
@@ -4119,6 +4120,10 @@
               <a:rPr lang="en-US" dirty="0"/>
               <a:t>CA1 </a:t>
             </a:r>
+            <a:r>
+              <a:rPr lang="en-US" sz="2400" dirty="0"/>
+              <a:t>26 November 2023 </a:t>
+            </a:r>
           </a:p>
         </p:txBody>
       </p:sp>
@@ -4169,6 +4174,169 @@
 </file>
 
 <file path=ppt/slides/slide10.xml><?xml version="1.0" encoding="utf-8"?>
+<p:sld xmlns:a="http://schemas.openxmlformats.org/drawingml/2006/main" xmlns:r="http://schemas.openxmlformats.org/officeDocument/2006/relationships" xmlns:p="http://schemas.openxmlformats.org/presentationml/2006/main">
+  <p:cSld>
+    <p:spTree>
+      <p:nvGrpSpPr>
+        <p:cNvPr id="1" name=""/>
+        <p:cNvGrpSpPr/>
+        <p:nvPr/>
+      </p:nvGrpSpPr>
+      <p:grpSpPr>
+        <a:xfrm>
+          <a:off x="0" y="0"/>
+          <a:ext cx="0" cy="0"/>
+          <a:chOff x="0" y="0"/>
+          <a:chExt cx="0" cy="0"/>
+        </a:xfrm>
+      </p:grpSpPr>
+      <p:sp>
+        <p:nvSpPr>
+          <p:cNvPr id="4" name="Title 3"/>
+          <p:cNvSpPr>
+            <a:spLocks noGrp="1"/>
+          </p:cNvSpPr>
+          <p:nvPr>
+            <p:ph type="title"/>
+          </p:nvPr>
+        </p:nvSpPr>
+        <p:spPr/>
+        <p:txBody>
+          <a:bodyPr>
+            <a:normAutofit/>
+          </a:bodyPr>
+          <a:lstStyle/>
+          <a:p>
+            <a:r>
+              <a:rPr lang="en-US" dirty="0"/>
+              <a:t>Slide Title</a:t>
+            </a:r>
+          </a:p>
+        </p:txBody>
+      </p:sp>
+      <p:sp>
+        <p:nvSpPr>
+          <p:cNvPr id="5" name="Text Placeholder 4"/>
+          <p:cNvSpPr>
+            <a:spLocks noGrp="1"/>
+          </p:cNvSpPr>
+          <p:nvPr>
+            <p:ph type="body" idx="1"/>
+          </p:nvPr>
+        </p:nvSpPr>
+        <p:spPr>
+          <a:xfrm>
+            <a:off x="522130" y="1371814"/>
+            <a:ext cx="7391379" cy="763525"/>
+          </a:xfrm>
+        </p:spPr>
+        <p:txBody>
+          <a:bodyPr>
+            <a:normAutofit/>
+          </a:bodyPr>
+          <a:lstStyle/>
+          <a:p>
+            <a:r>
+              <a:rPr lang="en-US" sz="4000" dirty="0"/>
+              <a:t>Conclusion</a:t>
+            </a:r>
+            <a:r>
+              <a:rPr lang="en-US" dirty="0"/>
+              <a:t> </a:t>
+            </a:r>
+          </a:p>
+        </p:txBody>
+      </p:sp>
+      <p:sp>
+        <p:nvSpPr>
+          <p:cNvPr id="6" name="Content Placeholder 5"/>
+          <p:cNvSpPr>
+            <a:spLocks noGrp="1"/>
+          </p:cNvSpPr>
+          <p:nvPr>
+            <p:ph sz="half" idx="2"/>
+          </p:nvPr>
+        </p:nvSpPr>
+        <p:spPr>
+          <a:xfrm>
+            <a:off x="522130" y="2127914"/>
+            <a:ext cx="8294491" cy="2906930"/>
+          </a:xfrm>
+        </p:spPr>
+        <p:txBody>
+          <a:bodyPr>
+            <a:normAutofit/>
+          </a:bodyPr>
+          <a:lstStyle/>
+          <a:p>
+            <a:pPr marL="0" indent="0" algn="l">
+              <a:buNone/>
+            </a:pPr>
+            <a:endParaRPr lang="en-US" sz="1200" dirty="0"/>
+          </a:p>
+          <a:p>
+            <a:pPr marL="0" indent="0" algn="l">
+              <a:buNone/>
+            </a:pPr>
+            <a:r>
+              <a:rPr lang="en-US" dirty="0"/>
+              <a:t>Good team work can enhance the project outcome: </a:t>
+            </a:r>
+          </a:p>
+          <a:p>
+            <a:pPr marL="0" indent="0" algn="l">
+              <a:buNone/>
+            </a:pPr>
+            <a:endParaRPr lang="en-US" sz="1100" dirty="0"/>
+          </a:p>
+          <a:p>
+            <a:pPr algn="l"/>
+            <a:r>
+              <a:rPr lang="en-US" dirty="0"/>
+              <a:t>Identifying the member’s strengths improves productivity</a:t>
+            </a:r>
+          </a:p>
+          <a:p>
+            <a:pPr algn="l"/>
+            <a:r>
+              <a:rPr lang="en-US" dirty="0"/>
+              <a:t>Sharing ideas boosts creativity </a:t>
+            </a:r>
+          </a:p>
+          <a:p>
+            <a:pPr algn="l"/>
+            <a:r>
+              <a:rPr lang="en-US" dirty="0"/>
+              <a:t>Learning from each other’s experiences improves knowledge</a:t>
+            </a:r>
+          </a:p>
+          <a:p>
+            <a:pPr algn="l"/>
+            <a:r>
+              <a:rPr lang="en-US" dirty="0"/>
+              <a:t>Rectifying problems together strengthen problem solving skills</a:t>
+            </a:r>
+          </a:p>
+          <a:p>
+            <a:pPr algn="l"/>
+            <a:endParaRPr lang="en-US" dirty="0"/>
+          </a:p>
+        </p:txBody>
+      </p:sp>
+    </p:spTree>
+    <p:extLst>
+      <p:ext uri="{BB962C8B-B14F-4D97-AF65-F5344CB8AC3E}">
+        <p14:creationId xmlns:p14="http://schemas.microsoft.com/office/powerpoint/2010/main" val="4170783713"/>
+      </p:ext>
+    </p:extLst>
+  </p:cSld>
+  <p:clrMapOvr>
+    <a:masterClrMapping/>
+  </p:clrMapOvr>
+</p:sld>
+</file>
+
+<file path=ppt/slides/slide11.xml><?xml version="1.0" encoding="utf-8"?>
 <p:sld xmlns:a="http://schemas.openxmlformats.org/drawingml/2006/main" xmlns:r="http://schemas.openxmlformats.org/officeDocument/2006/relationships" xmlns:p="http://schemas.openxmlformats.org/presentationml/2006/main">
   <p:cSld>
     <p:spTree>
@@ -4410,16 +4578,22 @@
             <p:ph type="title"/>
           </p:nvPr>
         </p:nvSpPr>
-        <p:spPr/>
+        <p:spPr>
+          <a:xfrm>
+            <a:off x="3804355" y="224337"/>
+            <a:ext cx="4926689" cy="763526"/>
+          </a:xfrm>
+        </p:spPr>
         <p:txBody>
           <a:bodyPr>
             <a:normAutofit/>
           </a:bodyPr>
           <a:lstStyle/>
           <a:p>
+            <a:pPr algn="ctr"/>
             <a:r>
               <a:rPr lang="en-US" dirty="0"/>
-              <a:t>Slide Title</a:t>
+              <a:t>Key Steps of the Project</a:t>
             </a:r>
           </a:p>
         </p:txBody>
@@ -4441,29 +4615,38 @@
           <a:p>
             <a:r>
               <a:rPr lang="en-US" dirty="0"/>
-              <a:t>Make Effective Presentations</a:t>
+              <a:t>Selection of the Data set </a:t>
             </a:r>
           </a:p>
           <a:p>
             <a:r>
               <a:rPr lang="en-US" dirty="0"/>
-              <a:t>Using Awesome Backgrounds</a:t>
+              <a:t>Exploratory data analysis </a:t>
             </a:r>
           </a:p>
           <a:p>
             <a:r>
               <a:rPr lang="en-US" dirty="0"/>
-              <a:t>Engage your Audience</a:t>
+              <a:t>Data preparation </a:t>
             </a:r>
           </a:p>
           <a:p>
             <a:r>
               <a:rPr lang="en-US" dirty="0"/>
-              <a:t>Capture Audience Attention</a:t>
-            </a:r>
-          </a:p>
-          <a:p>
-            <a:endParaRPr lang="en-US" dirty="0"/>
+              <a:t>Machine learning models</a:t>
+            </a:r>
+          </a:p>
+          <a:p>
+            <a:r>
+              <a:rPr lang="en-US" dirty="0"/>
+              <a:t>Timeline </a:t>
+            </a:r>
+          </a:p>
+          <a:p>
+            <a:r>
+              <a:rPr lang="en-US" dirty="0"/>
+              <a:t>Conclusion  </a:t>
+            </a:r>
           </a:p>
           <a:p>
             <a:endParaRPr lang="en-US" dirty="0"/>
@@ -4502,7 +4685,13 @@
       </p:grpSpPr>
       <p:sp>
         <p:nvSpPr>
-          <p:cNvPr id="4" name="Title 3"/>
+          <p:cNvPr id="2" name="Title 1">
+            <a:extLst>
+              <a:ext uri="{FF2B5EF4-FFF2-40B4-BE49-F238E27FC236}">
+                <a16:creationId xmlns:a16="http://schemas.microsoft.com/office/drawing/2014/main" id="{5D680AFF-406F-0D1D-E788-5E0B3F6CB8A0}"/>
+              </a:ext>
+            </a:extLst>
+          </p:cNvPr>
           <p:cNvSpPr>
             <a:spLocks noGrp="1"/>
           </p:cNvSpPr>
@@ -4512,19 +4701,74 @@
         </p:nvSpPr>
         <p:spPr>
           <a:xfrm>
-            <a:off x="1884218" y="406537"/>
-            <a:ext cx="6791670" cy="725349"/>
+            <a:off x="2944090" y="768927"/>
+            <a:ext cx="5870735" cy="318656"/>
           </a:xfrm>
         </p:spPr>
         <p:txBody>
           <a:bodyPr>
-            <a:normAutofit/>
+            <a:normAutofit fontScale="90000"/>
           </a:bodyPr>
           <a:lstStyle/>
           <a:p>
-            <a:r>
-              <a:rPr lang="en-US" sz="3200" dirty="0"/>
-              <a:t>Time Spent on the Project for Miroslava</a:t>
+            <a:pPr indent="457200" algn="ctr">
+              <a:spcBef>
+                <a:spcPts val="600"/>
+              </a:spcBef>
+              <a:spcAft>
+                <a:spcPts val="600"/>
+              </a:spcAft>
+            </a:pPr>
+            <a:r>
+              <a:rPr lang="en-IE" sz="3100" dirty="0"/>
+              <a:t>Correlation Heatmap </a:t>
+            </a:r>
+            <a:br>
+              <a:rPr lang="en-IE" dirty="0"/>
+            </a:br>
+            <a:r>
+              <a:rPr lang="en-IE" sz="1800" dirty="0">
+                <a:effectLst/>
+                <a:latin typeface="Calibri" panose="020F0502020204030204" pitchFamily="34" charset="0"/>
+              </a:rPr>
+              <a:t>S</a:t>
+            </a:r>
+            <a:r>
+              <a:rPr lang="en-IE" sz="1800" dirty="0">
+                <a:effectLst/>
+                <a:latin typeface="Calibri" panose="020F0502020204030204" pitchFamily="34" charset="0"/>
+                <a:ea typeface="Times New Roman" panose="02020603050405020304" pitchFamily="18" charset="0"/>
+              </a:rPr>
+              <a:t>trong relationship between the "Arrival Delay in Minutes" and "Departure Delay in Minutes".</a:t>
+            </a:r>
+            <a:br>
+              <a:rPr lang="en-IE" sz="1800" dirty="0">
+                <a:effectLst/>
+                <a:latin typeface="Times New Roman" panose="02020603050405020304" pitchFamily="18" charset="0"/>
+                <a:ea typeface="Times New Roman" panose="02020603050405020304" pitchFamily="18" charset="0"/>
+              </a:rPr>
+            </a:br>
+            <a:r>
+              <a:rPr lang="en-IE" sz="1800" dirty="0">
+                <a:solidFill>
+                  <a:srgbClr val="222222"/>
+                </a:solidFill>
+                <a:effectLst/>
+                <a:latin typeface="Calibri" panose="020F0502020204030204" pitchFamily="34" charset="0"/>
+                <a:ea typeface="Times New Roman" panose="02020603050405020304" pitchFamily="18" charset="0"/>
+              </a:rPr>
+              <a:t> </a:t>
+            </a:r>
+            <a:br>
+              <a:rPr lang="en-IE" sz="1800" dirty="0">
+                <a:effectLst/>
+                <a:latin typeface="Times New Roman" panose="02020603050405020304" pitchFamily="18" charset="0"/>
+                <a:ea typeface="Times New Roman" panose="02020603050405020304" pitchFamily="18" charset="0"/>
+              </a:rPr>
+            </a:br>
+            <a:r>
+              <a:rPr lang="en-IE" dirty="0"/>
+              <a:t> </a:t>
             </a:r>
           </a:p>
         </p:txBody>
@@ -4534,7 +4778,7 @@
           <p:cNvPr id="7" name="Content Placeholder 6">
             <a:extLst>
               <a:ext uri="{FF2B5EF4-FFF2-40B4-BE49-F238E27FC236}">
-                <a16:creationId xmlns:a16="http://schemas.microsoft.com/office/drawing/2014/main" id="{0D908BE0-F07B-651F-81C5-E5966AC80CE1}"/>
+                <a16:creationId xmlns:a16="http://schemas.microsoft.com/office/drawing/2014/main" id="{30129E8D-A376-D8D6-8E93-174673A41110}"/>
               </a:ext>
             </a:extLst>
           </p:cNvPr>
@@ -4559,15 +4803,15 @@
         </p:blipFill>
         <p:spPr>
           <a:xfrm>
-            <a:off x="2776889" y="1268413"/>
-            <a:ext cx="5530148" cy="3419475"/>
+            <a:off x="3269673" y="1275340"/>
+            <a:ext cx="5048184" cy="3581576"/>
           </a:xfrm>
         </p:spPr>
       </p:pic>
     </p:spTree>
     <p:extLst>
       <p:ext uri="{BB962C8B-B14F-4D97-AF65-F5344CB8AC3E}">
-        <p14:creationId xmlns:p14="http://schemas.microsoft.com/office/powerpoint/2010/main" val="1101633878"/>
+        <p14:creationId xmlns:p14="http://schemas.microsoft.com/office/powerpoint/2010/main" val="2504445905"/>
       </p:ext>
     </p:extLst>
   </p:cSld>
@@ -4596,7 +4840,13 @@
       </p:grpSpPr>
       <p:sp>
         <p:nvSpPr>
-          <p:cNvPr id="4" name="Title 3"/>
+          <p:cNvPr id="2" name="Title 1">
+            <a:extLst>
+              <a:ext uri="{FF2B5EF4-FFF2-40B4-BE49-F238E27FC236}">
+                <a16:creationId xmlns:a16="http://schemas.microsoft.com/office/drawing/2014/main" id="{9DD5CFE4-5296-6103-6560-FEE7D6C6DD7A}"/>
+              </a:ext>
+            </a:extLst>
+          </p:cNvPr>
           <p:cNvSpPr>
             <a:spLocks noGrp="1"/>
           </p:cNvSpPr>
@@ -4606,29 +4856,37 @@
         </p:nvSpPr>
         <p:spPr>
           <a:xfrm>
-            <a:off x="1884218" y="406537"/>
-            <a:ext cx="6791670" cy="725349"/>
+            <a:off x="1489363" y="226428"/>
+            <a:ext cx="7689273" cy="1692427"/>
           </a:xfrm>
         </p:spPr>
         <p:txBody>
           <a:bodyPr>
-            <a:normAutofit fontScale="90000"/>
+            <a:normAutofit/>
           </a:bodyPr>
           <a:lstStyle/>
           <a:p>
-            <a:r>
-              <a:rPr lang="en-US" sz="3200" dirty="0"/>
-              <a:t>Time Spent on the Project for Zygimantas</a:t>
+            <a:pPr algn="ctr"/>
+            <a:r>
+              <a:rPr lang="en-IE" dirty="0"/>
+              <a:t>Exploratory Data</a:t>
+            </a:r>
+            <a:br>
+              <a:rPr lang="en-IE" dirty="0"/>
+            </a:br>
+            <a:r>
+              <a:rPr lang="en-IE" dirty="0"/>
+              <a:t>Analysis using boxplots </a:t>
             </a:r>
           </a:p>
         </p:txBody>
       </p:sp>
       <p:pic>
         <p:nvPicPr>
-          <p:cNvPr id="6" name="Content Placeholder 5">
+          <p:cNvPr id="5" name="Content Placeholder 4">
             <a:extLst>
               <a:ext uri="{FF2B5EF4-FFF2-40B4-BE49-F238E27FC236}">
-                <a16:creationId xmlns:a16="http://schemas.microsoft.com/office/drawing/2014/main" id="{31C34614-F06C-8052-54DC-326D33B54116}"/>
+                <a16:creationId xmlns:a16="http://schemas.microsoft.com/office/drawing/2014/main" id="{16C208DB-5630-3A84-803D-04EA1A0BC00D}"/>
               </a:ext>
             </a:extLst>
           </p:cNvPr>
@@ -4653,106 +4911,8 @@
         </p:blipFill>
         <p:spPr>
           <a:xfrm>
-            <a:off x="2776889" y="1268413"/>
-            <a:ext cx="5530148" cy="3419475"/>
-          </a:xfrm>
-        </p:spPr>
-      </p:pic>
-    </p:spTree>
-    <p:extLst>
-      <p:ext uri="{BB962C8B-B14F-4D97-AF65-F5344CB8AC3E}">
-        <p14:creationId xmlns:p14="http://schemas.microsoft.com/office/powerpoint/2010/main" val="3722071655"/>
-      </p:ext>
-    </p:extLst>
-  </p:cSld>
-  <p:clrMapOvr>
-    <a:masterClrMapping/>
-  </p:clrMapOvr>
-</p:sld>
-</file>
-
-<file path=ppt/slides/slide5.xml><?xml version="1.0" encoding="utf-8"?>
-<p:sld xmlns:a="http://schemas.openxmlformats.org/drawingml/2006/main" xmlns:r="http://schemas.openxmlformats.org/officeDocument/2006/relationships" xmlns:p="http://schemas.openxmlformats.org/presentationml/2006/main">
-  <p:cSld>
-    <p:spTree>
-      <p:nvGrpSpPr>
-        <p:cNvPr id="1" name=""/>
-        <p:cNvGrpSpPr/>
-        <p:nvPr/>
-      </p:nvGrpSpPr>
-      <p:grpSpPr>
-        <a:xfrm>
-          <a:off x="0" y="0"/>
-          <a:ext cx="0" cy="0"/>
-          <a:chOff x="0" y="0"/>
-          <a:chExt cx="0" cy="0"/>
-        </a:xfrm>
-      </p:grpSpPr>
-      <p:sp>
-        <p:nvSpPr>
-          <p:cNvPr id="2" name="Title 1">
-            <a:extLst>
-              <a:ext uri="{FF2B5EF4-FFF2-40B4-BE49-F238E27FC236}">
-                <a16:creationId xmlns:a16="http://schemas.microsoft.com/office/drawing/2014/main" id="{9DD5CFE4-5296-6103-6560-FEE7D6C6DD7A}"/>
-              </a:ext>
-            </a:extLst>
-          </p:cNvPr>
-          <p:cNvSpPr>
-            <a:spLocks noGrp="1"/>
-          </p:cNvSpPr>
-          <p:nvPr>
-            <p:ph type="title"/>
-          </p:nvPr>
-        </p:nvSpPr>
-        <p:spPr>
-          <a:xfrm>
-            <a:off x="1911928" y="406537"/>
-            <a:ext cx="2819400" cy="725349"/>
-          </a:xfrm>
-        </p:spPr>
-        <p:txBody>
-          <a:bodyPr/>
-          <a:lstStyle/>
-          <a:p>
-            <a:r>
-              <a:rPr lang="en-IE" dirty="0"/>
-              <a:t>Scaling </a:t>
-            </a:r>
-          </a:p>
-        </p:txBody>
-      </p:sp>
-      <p:pic>
-        <p:nvPicPr>
-          <p:cNvPr id="5" name="Content Placeholder 4">
-            <a:extLst>
-              <a:ext uri="{FF2B5EF4-FFF2-40B4-BE49-F238E27FC236}">
-                <a16:creationId xmlns:a16="http://schemas.microsoft.com/office/drawing/2014/main" id="{16C208DB-5630-3A84-803D-04EA1A0BC00D}"/>
-              </a:ext>
-            </a:extLst>
-          </p:cNvPr>
-          <p:cNvPicPr>
-            <a:picLocks noGrp="1" noChangeAspect="1"/>
-          </p:cNvPicPr>
-          <p:nvPr>
-            <p:ph idx="1"/>
-          </p:nvPr>
-        </p:nvPicPr>
-        <p:blipFill>
-          <a:blip r:embed="rId2">
-            <a:extLst>
-              <a:ext uri="{28A0092B-C50C-407E-A947-70E740481C1C}">
-                <a14:useLocalDpi xmlns:a14="http://schemas.microsoft.com/office/drawing/2010/main" val="0"/>
-              </a:ext>
-            </a:extLst>
-          </a:blip>
-          <a:stretch>
-            <a:fillRect/>
-          </a:stretch>
-        </p:blipFill>
-        <p:spPr>
-          <a:xfrm>
-            <a:off x="4338669" y="406537"/>
-            <a:ext cx="4038600" cy="2276475"/>
+            <a:off x="4765964" y="2492952"/>
+            <a:ext cx="4135581" cy="2276475"/>
           </a:xfrm>
         </p:spPr>
       </p:pic>
@@ -4784,8 +4944,8 @@
         </p:blipFill>
         <p:spPr>
           <a:xfrm>
-            <a:off x="2603387" y="2774373"/>
-            <a:ext cx="4076700" cy="2266950"/>
+            <a:off x="1032164" y="2515466"/>
+            <a:ext cx="3872346" cy="2266950"/>
           </a:xfrm>
           <a:prstGeom prst="rect">
             <a:avLst/>
@@ -4796,6 +4956,114 @@
     <p:extLst>
       <p:ext uri="{BB962C8B-B14F-4D97-AF65-F5344CB8AC3E}">
         <p14:creationId xmlns:p14="http://schemas.microsoft.com/office/powerpoint/2010/main" val="1978591007"/>
+      </p:ext>
+    </p:extLst>
+  </p:cSld>
+  <p:clrMapOvr>
+    <a:masterClrMapping/>
+  </p:clrMapOvr>
+</p:sld>
+</file>
+
+<file path=ppt/slides/slide5.xml><?xml version="1.0" encoding="utf-8"?>
+<p:sld xmlns:a="http://schemas.openxmlformats.org/drawingml/2006/main" xmlns:r="http://schemas.openxmlformats.org/officeDocument/2006/relationships" xmlns:p="http://schemas.openxmlformats.org/presentationml/2006/main">
+  <p:cSld>
+    <p:spTree>
+      <p:nvGrpSpPr>
+        <p:cNvPr id="1" name=""/>
+        <p:cNvGrpSpPr/>
+        <p:nvPr/>
+      </p:nvGrpSpPr>
+      <p:grpSpPr>
+        <a:xfrm>
+          <a:off x="0" y="0"/>
+          <a:ext cx="0" cy="0"/>
+          <a:chOff x="0" y="0"/>
+          <a:chExt cx="0" cy="0"/>
+        </a:xfrm>
+      </p:grpSpPr>
+      <p:sp>
+        <p:nvSpPr>
+          <p:cNvPr id="2" name="Title 1">
+            <a:extLst>
+              <a:ext uri="{FF2B5EF4-FFF2-40B4-BE49-F238E27FC236}">
+                <a16:creationId xmlns:a16="http://schemas.microsoft.com/office/drawing/2014/main" id="{447E2609-9B63-4E35-B2DD-BEF9FFD0202B}"/>
+              </a:ext>
+            </a:extLst>
+          </p:cNvPr>
+          <p:cNvSpPr>
+            <a:spLocks noGrp="1"/>
+          </p:cNvSpPr>
+          <p:nvPr>
+            <p:ph type="title"/>
+          </p:nvPr>
+        </p:nvSpPr>
+        <p:spPr>
+          <a:xfrm>
+            <a:off x="1863436" y="214745"/>
+            <a:ext cx="6812452" cy="1108364"/>
+          </a:xfrm>
+        </p:spPr>
+        <p:txBody>
+          <a:bodyPr>
+            <a:normAutofit/>
+          </a:bodyPr>
+          <a:lstStyle/>
+          <a:p>
+            <a:pPr algn="ctr"/>
+            <a:r>
+              <a:rPr lang="en-IE" dirty="0"/>
+              <a:t>Data Preparation</a:t>
+            </a:r>
+            <a:br>
+              <a:rPr lang="en-IE" dirty="0"/>
+            </a:br>
+            <a:r>
+              <a:rPr lang="en-IE" sz="2000" dirty="0"/>
+              <a:t>Pie chart displays distribution of “satisfaction” value  </a:t>
+            </a:r>
+          </a:p>
+        </p:txBody>
+      </p:sp>
+      <p:pic>
+        <p:nvPicPr>
+          <p:cNvPr id="5" name="Content Placeholder 4">
+            <a:extLst>
+              <a:ext uri="{FF2B5EF4-FFF2-40B4-BE49-F238E27FC236}">
+                <a16:creationId xmlns:a16="http://schemas.microsoft.com/office/drawing/2014/main" id="{7F5150A9-D794-8BE9-9EF5-10B846BBCA57}"/>
+              </a:ext>
+            </a:extLst>
+          </p:cNvPr>
+          <p:cNvPicPr>
+            <a:picLocks noGrp="1" noChangeAspect="1"/>
+          </p:cNvPicPr>
+          <p:nvPr>
+            <p:ph idx="1"/>
+          </p:nvPr>
+        </p:nvPicPr>
+        <p:blipFill>
+          <a:blip r:embed="rId2">
+            <a:extLst>
+              <a:ext uri="{28A0092B-C50C-407E-A947-70E740481C1C}">
+                <a14:useLocalDpi xmlns:a14="http://schemas.microsoft.com/office/drawing/2010/main" val="0"/>
+              </a:ext>
+            </a:extLst>
+          </a:blip>
+          <a:stretch>
+            <a:fillRect/>
+          </a:stretch>
+        </p:blipFill>
+        <p:spPr>
+          <a:xfrm>
+            <a:off x="3718974" y="1420813"/>
+            <a:ext cx="3645978" cy="3419475"/>
+          </a:xfrm>
+        </p:spPr>
+      </p:pic>
+    </p:spTree>
+    <p:extLst>
+      <p:ext uri="{BB962C8B-B14F-4D97-AF65-F5344CB8AC3E}">
+        <p14:creationId xmlns:p14="http://schemas.microsoft.com/office/powerpoint/2010/main" val="3550563047"/>
       </p:ext>
     </p:extLst>
   </p:cSld>
@@ -4840,12 +5108,22 @@
         </p:nvSpPr>
         <p:spPr/>
         <p:txBody>
-          <a:bodyPr/>
-          <a:lstStyle/>
-          <a:p>
-            <a:r>
+          <a:bodyPr>
+            <a:normAutofit fontScale="90000"/>
+          </a:bodyPr>
+          <a:lstStyle/>
+          <a:p>
+            <a:pPr algn="ctr"/>
+            <a:r>
+              <a:rPr lang="en-IE" sz="3100" dirty="0"/>
+              <a:t>Confusion Matrix – Random Forest model</a:t>
+            </a:r>
+            <a:br>
               <a:rPr lang="en-IE" dirty="0"/>
-              <a:t>Confusion Matrix – TBD + more </a:t>
+            </a:br>
+            <a:r>
+              <a:rPr lang="en-IE" sz="2700" dirty="0"/>
+              <a:t>Best performing at 0.2 test size  </a:t>
             </a:r>
           </a:p>
         </p:txBody>
@@ -4880,7 +5158,7 @@
         </p:blipFill>
         <p:spPr>
           <a:xfrm>
-            <a:off x="3221182" y="1268413"/>
+            <a:off x="3233049" y="1497013"/>
             <a:ext cx="4601896" cy="3419475"/>
           </a:xfrm>
         </p:spPr>
@@ -4931,26 +5209,32 @@
             <p:ph type="title"/>
           </p:nvPr>
         </p:nvSpPr>
-        <p:spPr/>
+        <p:spPr>
+          <a:xfrm>
+            <a:off x="1941689" y="406537"/>
+            <a:ext cx="7010399" cy="725349"/>
+          </a:xfrm>
+        </p:spPr>
         <p:txBody>
           <a:bodyPr>
             <a:normAutofit fontScale="90000"/>
           </a:bodyPr>
           <a:lstStyle/>
           <a:p>
+            <a:pPr algn="ctr"/>
             <a:r>
               <a:rPr lang="en-IE" dirty="0"/>
-              <a:t>Do we show both 20 and 10 or just 10</a:t>
+              <a:t>Top 10 most important features using Random Forest model </a:t>
             </a:r>
           </a:p>
         </p:txBody>
       </p:sp>
       <p:pic>
         <p:nvPicPr>
-          <p:cNvPr id="5" name="Content Placeholder 4">
+          <p:cNvPr id="7" name="Content Placeholder 6">
             <a:extLst>
               <a:ext uri="{FF2B5EF4-FFF2-40B4-BE49-F238E27FC236}">
-                <a16:creationId xmlns:a16="http://schemas.microsoft.com/office/drawing/2014/main" id="{849B5BDB-772F-DF4D-CE64-98EE06345AB6}"/>
+                <a16:creationId xmlns:a16="http://schemas.microsoft.com/office/drawing/2014/main" id="{43E45155-1577-30EF-D641-645556011C40}"/>
               </a:ext>
             </a:extLst>
           </p:cNvPr>
@@ -4975,8 +5259,8 @@
         </p:blipFill>
         <p:spPr>
           <a:xfrm>
-            <a:off x="2468872" y="1317488"/>
-            <a:ext cx="5675128" cy="3419475"/>
+            <a:off x="2922405" y="1317488"/>
+            <a:ext cx="5487470" cy="3419475"/>
           </a:xfrm>
         </p:spPr>
       </p:pic>
@@ -5012,13 +5296,7 @@
       </p:grpSpPr>
       <p:sp>
         <p:nvSpPr>
-          <p:cNvPr id="2" name="Title 1">
-            <a:extLst>
-              <a:ext uri="{FF2B5EF4-FFF2-40B4-BE49-F238E27FC236}">
-                <a16:creationId xmlns:a16="http://schemas.microsoft.com/office/drawing/2014/main" id="{5D680AFF-406F-0D1D-E788-5E0B3F6CB8A0}"/>
-              </a:ext>
-            </a:extLst>
-          </p:cNvPr>
+          <p:cNvPr id="4" name="Title 3"/>
           <p:cNvSpPr>
             <a:spLocks noGrp="1"/>
           </p:cNvSpPr>
@@ -5028,8 +5306,8 @@
         </p:nvSpPr>
         <p:spPr>
           <a:xfrm>
-            <a:off x="2020711" y="293511"/>
-            <a:ext cx="6655177" cy="677333"/>
+            <a:off x="1884218" y="406537"/>
+            <a:ext cx="6791670" cy="725349"/>
           </a:xfrm>
         </p:spPr>
         <p:txBody>
@@ -5039,18 +5317,18 @@
           <a:lstStyle/>
           <a:p>
             <a:r>
-              <a:rPr lang="en-IE" dirty="0"/>
-              <a:t>Heat Map </a:t>
+              <a:rPr lang="en-US" sz="3200" dirty="0"/>
+              <a:t>Time Spent on the Project for Miroslava</a:t>
             </a:r>
           </a:p>
         </p:txBody>
       </p:sp>
       <p:pic>
         <p:nvPicPr>
-          <p:cNvPr id="5" name="Content Placeholder 4">
+          <p:cNvPr id="7" name="Content Placeholder 6">
             <a:extLst>
               <a:ext uri="{FF2B5EF4-FFF2-40B4-BE49-F238E27FC236}">
-                <a16:creationId xmlns:a16="http://schemas.microsoft.com/office/drawing/2014/main" id="{681381C9-718A-2085-51A5-87EFC7CE3662}"/>
+                <a16:creationId xmlns:a16="http://schemas.microsoft.com/office/drawing/2014/main" id="{0D908BE0-F07B-651F-81C5-E5966AC80CE1}"/>
               </a:ext>
             </a:extLst>
           </p:cNvPr>
@@ -5075,15 +5353,15 @@
         </p:blipFill>
         <p:spPr>
           <a:xfrm>
-            <a:off x="2968978" y="970844"/>
-            <a:ext cx="5125155" cy="3973689"/>
+            <a:off x="2776889" y="1268413"/>
+            <a:ext cx="5530148" cy="3419475"/>
           </a:xfrm>
         </p:spPr>
       </p:pic>
     </p:spTree>
     <p:extLst>
       <p:ext uri="{BB962C8B-B14F-4D97-AF65-F5344CB8AC3E}">
-        <p14:creationId xmlns:p14="http://schemas.microsoft.com/office/powerpoint/2010/main" val="2504445905"/>
+        <p14:creationId xmlns:p14="http://schemas.microsoft.com/office/powerpoint/2010/main" val="1101633878"/>
       </p:ext>
     </p:extLst>
   </p:cSld>
@@ -5120,137 +5398,64 @@
             <p:ph type="title"/>
           </p:nvPr>
         </p:nvSpPr>
-        <p:spPr/>
+        <p:spPr>
+          <a:xfrm>
+            <a:off x="1884218" y="406537"/>
+            <a:ext cx="6791670" cy="725349"/>
+          </a:xfrm>
+        </p:spPr>
         <p:txBody>
           <a:bodyPr>
-            <a:normAutofit/>
+            <a:normAutofit fontScale="90000"/>
           </a:bodyPr>
           <a:lstStyle/>
           <a:p>
             <a:r>
-              <a:rPr lang="en-US" dirty="0"/>
-              <a:t>Slide Title</a:t>
-            </a:r>
-          </a:p>
-        </p:txBody>
-      </p:sp>
-      <p:sp>
-        <p:nvSpPr>
-          <p:cNvPr id="5" name="Text Placeholder 4"/>
-          <p:cNvSpPr>
-            <a:spLocks noGrp="1"/>
-          </p:cNvSpPr>
-          <p:nvPr>
-            <p:ph type="body" idx="1"/>
-          </p:nvPr>
-        </p:nvSpPr>
-        <p:spPr/>
-        <p:txBody>
-          <a:bodyPr/>
-          <a:lstStyle/>
-          <a:p>
-            <a:r>
-              <a:rPr lang="en-US"/>
-              <a:t>Product A</a:t>
-            </a:r>
-            <a:endParaRPr lang="en-US" dirty="0"/>
-          </a:p>
-        </p:txBody>
-      </p:sp>
-      <p:sp>
-        <p:nvSpPr>
-          <p:cNvPr id="6" name="Content Placeholder 5"/>
-          <p:cNvSpPr>
-            <a:spLocks noGrp="1"/>
-          </p:cNvSpPr>
-          <p:nvPr>
-            <p:ph sz="half" idx="2"/>
-          </p:nvPr>
-        </p:nvSpPr>
-        <p:spPr/>
-        <p:txBody>
-          <a:bodyPr/>
-          <a:lstStyle/>
-          <a:p>
-            <a:r>
-              <a:rPr lang="en-US" dirty="0"/>
-              <a:t>Feature 1</a:t>
-            </a:r>
-          </a:p>
-          <a:p>
-            <a:r>
-              <a:rPr lang="en-US" dirty="0"/>
-              <a:t>Feature 2</a:t>
-            </a:r>
-          </a:p>
-          <a:p>
-            <a:r>
-              <a:rPr lang="en-US" dirty="0"/>
-              <a:t>Feature 3</a:t>
-            </a:r>
-          </a:p>
-        </p:txBody>
-      </p:sp>
-      <p:sp>
-        <p:nvSpPr>
-          <p:cNvPr id="7" name="Text Placeholder 6"/>
-          <p:cNvSpPr>
-            <a:spLocks noGrp="1"/>
-          </p:cNvSpPr>
-          <p:nvPr>
-            <p:ph type="body" sz="quarter" idx="3"/>
-          </p:nvPr>
-        </p:nvSpPr>
-        <p:spPr/>
-        <p:txBody>
-          <a:bodyPr/>
-          <a:lstStyle/>
-          <a:p>
-            <a:r>
-              <a:rPr lang="en-US"/>
-              <a:t>Product B</a:t>
-            </a:r>
-          </a:p>
-        </p:txBody>
-      </p:sp>
-      <p:sp>
-        <p:nvSpPr>
-          <p:cNvPr id="8" name="Content Placeholder 7"/>
-          <p:cNvSpPr>
-            <a:spLocks noGrp="1"/>
-          </p:cNvSpPr>
-          <p:nvPr>
-            <p:ph sz="quarter" idx="4"/>
-          </p:nvPr>
-        </p:nvSpPr>
-        <p:spPr/>
-        <p:txBody>
-          <a:bodyPr/>
-          <a:lstStyle/>
-          <a:p>
-            <a:r>
-              <a:rPr lang="en-US"/>
-              <a:t>Feature 1</a:t>
-            </a:r>
-          </a:p>
-          <a:p>
-            <a:r>
-              <a:rPr lang="en-US"/>
-              <a:t>Feature 2</a:t>
-            </a:r>
-          </a:p>
-          <a:p>
-            <a:r>
-              <a:rPr lang="en-US"/>
-              <a:t>Feature 3</a:t>
-            </a:r>
-          </a:p>
-        </p:txBody>
-      </p:sp>
+              <a:rPr lang="en-US" sz="3200" dirty="0"/>
+              <a:t>Time Spent on the Project for Zygimantas</a:t>
+            </a:r>
+          </a:p>
+        </p:txBody>
+      </p:sp>
+      <p:pic>
+        <p:nvPicPr>
+          <p:cNvPr id="6" name="Content Placeholder 5">
+            <a:extLst>
+              <a:ext uri="{FF2B5EF4-FFF2-40B4-BE49-F238E27FC236}">
+                <a16:creationId xmlns:a16="http://schemas.microsoft.com/office/drawing/2014/main" id="{31C34614-F06C-8052-54DC-326D33B54116}"/>
+              </a:ext>
+            </a:extLst>
+          </p:cNvPr>
+          <p:cNvPicPr>
+            <a:picLocks noGrp="1" noChangeAspect="1"/>
+          </p:cNvPicPr>
+          <p:nvPr>
+            <p:ph idx="1"/>
+          </p:nvPr>
+        </p:nvPicPr>
+        <p:blipFill>
+          <a:blip r:embed="rId2">
+            <a:extLst>
+              <a:ext uri="{28A0092B-C50C-407E-A947-70E740481C1C}">
+                <a14:useLocalDpi xmlns:a14="http://schemas.microsoft.com/office/drawing/2010/main" val="0"/>
+              </a:ext>
+            </a:extLst>
+          </a:blip>
+          <a:stretch>
+            <a:fillRect/>
+          </a:stretch>
+        </p:blipFill>
+        <p:spPr>
+          <a:xfrm>
+            <a:off x="2776889" y="1268413"/>
+            <a:ext cx="5530148" cy="3419475"/>
+          </a:xfrm>
+        </p:spPr>
+      </p:pic>
     </p:spTree>
     <p:extLst>
       <p:ext uri="{BB962C8B-B14F-4D97-AF65-F5344CB8AC3E}">
-        <p14:creationId xmlns:p14="http://schemas.microsoft.com/office/powerpoint/2010/main" val="4170783713"/>
+        <p14:creationId xmlns:p14="http://schemas.microsoft.com/office/powerpoint/2010/main" val="3722071655"/>
       </p:ext>
     </p:extLst>
   </p:cSld>

--- a/ML/PPT_ML_CA1_26 Nov 23.pptx
+++ b/ML/PPT_ML_CA1_26 Nov 23.pptx
@@ -4280,7 +4280,7 @@
             </a:pPr>
             <a:r>
               <a:rPr lang="en-US" dirty="0"/>
-              <a:t>Good team work can enhance the project outcome: </a:t>
+              <a:t>Good teamwork can enhance the project outcome: </a:t>
             </a:r>
           </a:p>
           <a:p>

--- a/ML/PPT_ML_CA1_26 Nov 23.pptx
+++ b/ML/PPT_ML_CA1_26 Nov 23.pptx
@@ -5,7 +5,7 @@
     <p:sldMasterId id="2147483648" r:id="rId1"/>
   </p:sldMasterIdLst>
   <p:notesMasterIdLst>
-    <p:notesMasterId r:id="rId13"/>
+    <p:notesMasterId r:id="rId14"/>
   </p:notesMasterIdLst>
   <p:sldIdLst>
     <p:sldId id="256" r:id="rId2"/>
@@ -15,10 +15,11 @@
     <p:sldId id="266" r:id="rId6"/>
     <p:sldId id="265" r:id="rId7"/>
     <p:sldId id="261" r:id="rId8"/>
-    <p:sldId id="259" r:id="rId9"/>
-    <p:sldId id="262" r:id="rId10"/>
-    <p:sldId id="258" r:id="rId11"/>
-    <p:sldId id="260" r:id="rId12"/>
+    <p:sldId id="267" r:id="rId9"/>
+    <p:sldId id="259" r:id="rId10"/>
+    <p:sldId id="262" r:id="rId11"/>
+    <p:sldId id="258" r:id="rId12"/>
+    <p:sldId id="260" r:id="rId13"/>
   </p:sldIdLst>
   <p:sldSz cx="9144000" cy="5143500" type="screen16x9"/>
   <p:notesSz cx="6858000" cy="9144000"/>
@@ -550,7 +551,7 @@
           <a:p>
             <a:fld id="{87350B06-B074-48FC-8CFD-53D2CD8FB95F}" type="slidenum">
               <a:rPr lang="en-US" smtClean="0"/>
-              <a:t>11</a:t>
+              <a:t>12</a:t>
             </a:fld>
             <a:endParaRPr lang="en-US"/>
           </a:p>
@@ -4144,18 +4145,51 @@
           </a:xfrm>
         </p:spPr>
         <p:txBody>
-          <a:bodyPr/>
-          <a:lstStyle/>
-          <a:p>
+          <a:bodyPr>
+            <a:normAutofit/>
+          </a:bodyPr>
+          <a:lstStyle/>
+          <a:p>
+            <a:endParaRPr lang="en-US" sz="2400" dirty="0"/>
+          </a:p>
+          <a:p>
+            <a:r>
+              <a:rPr lang="en-US" sz="2400" dirty="0"/>
+              <a:t>Zygimantas Jakubauskas -</a:t>
+            </a:r>
+            <a:r>
+              <a:rPr lang="en-IE" sz="2400" dirty="0">
+                <a:ea typeface="Calibri" panose="020F0502020204030204" pitchFamily="34" charset="0"/>
+                <a:cs typeface="Times New Roman" panose="02020603050405020304" pitchFamily="18" charset="0"/>
+              </a:rPr>
+              <a:t>s</a:t>
+            </a:r>
+            <a:r>
+              <a:rPr lang="en-IE" sz="2400" dirty="0">
+                <a:effectLst/>
+                <a:ea typeface="Calibri" panose="020F0502020204030204" pitchFamily="34" charset="0"/>
+                <a:cs typeface="Times New Roman" panose="02020603050405020304" pitchFamily="18" charset="0"/>
+              </a:rPr>
+              <a:t>ba22342</a:t>
+            </a:r>
+          </a:p>
+          <a:p>
+            <a:r>
+              <a:rPr lang="en-US" sz="2400" dirty="0"/>
+              <a:t> Miroslava Slavikova - </a:t>
+            </a:r>
+            <a:r>
+              <a:rPr lang="en-IE" sz="2400" b="0" i="0" dirty="0">
+                <a:solidFill>
+                  <a:srgbClr val="FFFFFF"/>
+                </a:solidFill>
+                <a:effectLst/>
+              </a:rPr>
+              <a:t>sba22382</a:t>
+            </a:r>
             <a:r>
               <a:rPr lang="en-US" dirty="0"/>
-              <a:t>Zygimantas Jakubauskas</a:t>
-            </a:r>
-          </a:p>
-          <a:p>
-            <a:r>
-              <a:rPr lang="en-US" dirty="0"/>
-              <a:t>Miroslava Slavikova </a:t>
+              <a:t> </a:t>
             </a:r>
           </a:p>
         </p:txBody>
@@ -4200,6 +4234,100 @@
             <p:ph type="title"/>
           </p:nvPr>
         </p:nvSpPr>
+        <p:spPr>
+          <a:xfrm>
+            <a:off x="1884218" y="406537"/>
+            <a:ext cx="6791670" cy="725349"/>
+          </a:xfrm>
+        </p:spPr>
+        <p:txBody>
+          <a:bodyPr>
+            <a:normAutofit/>
+          </a:bodyPr>
+          <a:lstStyle/>
+          <a:p>
+            <a:r>
+              <a:rPr lang="en-US" sz="3200" dirty="0"/>
+              <a:t>Time Spent on the Project - Zygimantas</a:t>
+            </a:r>
+          </a:p>
+        </p:txBody>
+      </p:sp>
+      <p:pic>
+        <p:nvPicPr>
+          <p:cNvPr id="6" name="Content Placeholder 5">
+            <a:extLst>
+              <a:ext uri="{FF2B5EF4-FFF2-40B4-BE49-F238E27FC236}">
+                <a16:creationId xmlns:a16="http://schemas.microsoft.com/office/drawing/2014/main" id="{31C34614-F06C-8052-54DC-326D33B54116}"/>
+              </a:ext>
+            </a:extLst>
+          </p:cNvPr>
+          <p:cNvPicPr>
+            <a:picLocks noGrp="1" noChangeAspect="1"/>
+          </p:cNvPicPr>
+          <p:nvPr>
+            <p:ph idx="1"/>
+          </p:nvPr>
+        </p:nvPicPr>
+        <p:blipFill>
+          <a:blip r:embed="rId2">
+            <a:extLst>
+              <a:ext uri="{28A0092B-C50C-407E-A947-70E740481C1C}">
+                <a14:useLocalDpi xmlns:a14="http://schemas.microsoft.com/office/drawing/2010/main" val="0"/>
+              </a:ext>
+            </a:extLst>
+          </a:blip>
+          <a:stretch>
+            <a:fillRect/>
+          </a:stretch>
+        </p:blipFill>
+        <p:spPr>
+          <a:xfrm>
+            <a:off x="2776889" y="1268413"/>
+            <a:ext cx="5530148" cy="3419475"/>
+          </a:xfrm>
+        </p:spPr>
+      </p:pic>
+    </p:spTree>
+    <p:extLst>
+      <p:ext uri="{BB962C8B-B14F-4D97-AF65-F5344CB8AC3E}">
+        <p14:creationId xmlns:p14="http://schemas.microsoft.com/office/powerpoint/2010/main" val="3722071655"/>
+      </p:ext>
+    </p:extLst>
+  </p:cSld>
+  <p:clrMapOvr>
+    <a:masterClrMapping/>
+  </p:clrMapOvr>
+</p:sld>
+</file>
+
+<file path=ppt/slides/slide11.xml><?xml version="1.0" encoding="utf-8"?>
+<p:sld xmlns:a="http://schemas.openxmlformats.org/drawingml/2006/main" xmlns:r="http://schemas.openxmlformats.org/officeDocument/2006/relationships" xmlns:p="http://schemas.openxmlformats.org/presentationml/2006/main">
+  <p:cSld>
+    <p:spTree>
+      <p:nvGrpSpPr>
+        <p:cNvPr id="1" name=""/>
+        <p:cNvGrpSpPr/>
+        <p:nvPr/>
+      </p:nvGrpSpPr>
+      <p:grpSpPr>
+        <a:xfrm>
+          <a:off x="0" y="0"/>
+          <a:ext cx="0" cy="0"/>
+          <a:chOff x="0" y="0"/>
+          <a:chExt cx="0" cy="0"/>
+        </a:xfrm>
+      </p:grpSpPr>
+      <p:sp>
+        <p:nvSpPr>
+          <p:cNvPr id="4" name="Title 3"/>
+          <p:cNvSpPr>
+            <a:spLocks noGrp="1"/>
+          </p:cNvSpPr>
+          <p:nvPr>
+            <p:ph type="title"/>
+          </p:nvPr>
+        </p:nvSpPr>
         <p:spPr/>
         <p:txBody>
           <a:bodyPr>
@@ -4336,7 +4464,7 @@
 </p:sld>
 </file>
 
-<file path=ppt/slides/slide11.xml><?xml version="1.0" encoding="utf-8"?>
+<file path=ppt/slides/slide12.xml><?xml version="1.0" encoding="utf-8"?>
 <p:sld xmlns:a="http://schemas.openxmlformats.org/drawingml/2006/main" xmlns:r="http://schemas.openxmlformats.org/officeDocument/2006/relationships" xmlns:p="http://schemas.openxmlformats.org/presentationml/2006/main">
   <p:cSld>
     <p:spTree>
@@ -4524,17 +4652,18 @@
               <a:t> </a:t>
             </a:r>
             <a:r>
-              <a:rPr lang="en-US" sz="8800" dirty="0">
+              <a:rPr lang="en-US" sz="8800">
                 <a:solidFill>
                   <a:schemeClr val="bg1"/>
                 </a:solidFill>
               </a:rPr>
-              <a:t>Thank you</a:t>
-            </a:r>
-            <a:r>
-              <a:rPr lang="en-US" dirty="0"/>
+              <a:t>Thank you.</a:t>
+            </a:r>
+            <a:r>
+              <a:rPr lang="en-US"/>
               <a:t>. </a:t>
             </a:r>
+            <a:endParaRPr lang="en-US" dirty="0"/>
           </a:p>
         </p:txBody>
       </p:sp>
@@ -4608,10 +4737,20 @@
             <p:ph idx="1"/>
           </p:nvPr>
         </p:nvSpPr>
-        <p:spPr/>
-        <p:txBody>
-          <a:bodyPr/>
-          <a:lstStyle/>
+        <p:spPr>
+          <a:xfrm>
+            <a:off x="685800" y="1312606"/>
+            <a:ext cx="8023984" cy="3465870"/>
+          </a:xfrm>
+        </p:spPr>
+        <p:txBody>
+          <a:bodyPr>
+            <a:normAutofit/>
+          </a:bodyPr>
+          <a:lstStyle/>
+          <a:p>
+            <a:endParaRPr lang="en-US" sz="1200" dirty="0"/>
+          </a:p>
           <a:p>
             <a:r>
               <a:rPr lang="en-US" dirty="0"/>
@@ -4653,6 +4792,42 @@
           </a:p>
         </p:txBody>
       </p:sp>
+      <p:pic>
+        <p:nvPicPr>
+          <p:cNvPr id="5" name="Picture 4">
+            <a:extLst>
+              <a:ext uri="{FF2B5EF4-FFF2-40B4-BE49-F238E27FC236}">
+                <a16:creationId xmlns:a16="http://schemas.microsoft.com/office/drawing/2014/main" id="{9398D7F8-3EE6-F284-AE22-6749C3204163}"/>
+              </a:ext>
+            </a:extLst>
+          </p:cNvPr>
+          <p:cNvPicPr>
+            <a:picLocks noChangeAspect="1"/>
+          </p:cNvPicPr>
+          <p:nvPr/>
+        </p:nvPicPr>
+        <p:blipFill>
+          <a:blip r:embed="rId2">
+            <a:extLst>
+              <a:ext uri="{28A0092B-C50C-407E-A947-70E740481C1C}">
+                <a14:useLocalDpi xmlns:a14="http://schemas.microsoft.com/office/drawing/2010/main" val="0"/>
+              </a:ext>
+            </a:extLst>
+          </a:blip>
+          <a:stretch>
+            <a:fillRect/>
+          </a:stretch>
+        </p:blipFill>
+        <p:spPr>
+          <a:xfrm>
+            <a:off x="5396345" y="2805545"/>
+            <a:ext cx="3650672" cy="2244003"/>
+          </a:xfrm>
+          <a:prstGeom prst="rect">
+            <a:avLst/>
+          </a:prstGeom>
+        </p:spPr>
+      </p:pic>
     </p:spTree>
     <p:extLst>
       <p:ext uri="{BB962C8B-B14F-4D97-AF65-F5344CB8AC3E}">
@@ -4739,7 +4914,15 @@
                 <a:latin typeface="Calibri" panose="020F0502020204030204" pitchFamily="34" charset="0"/>
                 <a:ea typeface="Times New Roman" panose="02020603050405020304" pitchFamily="18" charset="0"/>
               </a:rPr>
-              <a:t>trong relationship between the "Arrival Delay in Minutes" and "Departure Delay in Minutes".</a:t>
+              <a:t>trong relationship between the "Arrival Delay in Minutes" and "Departure Delay in Minutes“ </a:t>
+            </a:r>
+            <a:r>
+              <a:rPr lang="en-IE" sz="1300" dirty="0">
+                <a:effectLst/>
+                <a:latin typeface="Calibri" panose="020F0502020204030204" pitchFamily="34" charset="0"/>
+                <a:ea typeface="Times New Roman" panose="02020603050405020304" pitchFamily="18" charset="0"/>
+              </a:rPr>
+              <a:t>[by Miroslava]</a:t>
             </a:r>
             <a:br>
               <a:rPr lang="en-IE" sz="1800" dirty="0">
@@ -4869,15 +5052,24 @@
             <a:pPr algn="ctr"/>
             <a:r>
               <a:rPr lang="en-IE" dirty="0"/>
-              <a:t>Exploratory Data</a:t>
+              <a:t>Exploratory Data Analysis </a:t>
             </a:r>
             <a:br>
               <a:rPr lang="en-IE" dirty="0"/>
             </a:br>
             <a:r>
               <a:rPr lang="en-IE" dirty="0"/>
-              <a:t>Analysis using boxplots </a:t>
-            </a:r>
+              <a:t>using boxplots </a:t>
+            </a:r>
+            <a:r>
+              <a:rPr lang="en-IE" sz="1200" dirty="0">
+                <a:effectLst/>
+                <a:latin typeface="Calibri" panose="020F0502020204030204" pitchFamily="34" charset="0"/>
+                <a:ea typeface="Times New Roman" panose="02020603050405020304" pitchFamily="18" charset="0"/>
+              </a:rPr>
+              <a:t>[by Zygimantas]</a:t>
+            </a:r>
+            <a:endParaRPr lang="en-IE" sz="1200" dirty="0"/>
           </a:p>
         </p:txBody>
       </p:sp>
@@ -5020,8 +5212,25 @@
             </a:br>
             <a:r>
               <a:rPr lang="en-IE" sz="2000" dirty="0"/>
-              <a:t>Pie chart displays distribution of “satisfaction” value  </a:t>
-            </a:r>
+              <a:t>Pie chart displays distribution of “satisfaction” value </a:t>
+            </a:r>
+            <a:r>
+              <a:rPr lang="en-IE" sz="1300" dirty="0">
+                <a:effectLst/>
+                <a:latin typeface="Calibri" panose="020F0502020204030204" pitchFamily="34" charset="0"/>
+                <a:ea typeface="Times New Roman" panose="02020603050405020304" pitchFamily="18" charset="0"/>
+              </a:rPr>
+              <a:t>[by Zygimantas</a:t>
+            </a:r>
+            <a:r>
+              <a:rPr lang="en-IE" sz="1200" dirty="0">
+                <a:effectLst/>
+                <a:latin typeface="Calibri" panose="020F0502020204030204" pitchFamily="34" charset="0"/>
+                <a:ea typeface="Times New Roman" panose="02020603050405020304" pitchFamily="18" charset="0"/>
+              </a:rPr>
+              <a:t>]</a:t>
+            </a:r>
+            <a:endParaRPr lang="en-IE" sz="1200" dirty="0"/>
           </a:p>
         </p:txBody>
       </p:sp>
@@ -5123,8 +5332,17 @@
             </a:br>
             <a:r>
               <a:rPr lang="en-IE" sz="2700" dirty="0"/>
-              <a:t>Best performing at 0.2 test size  </a:t>
-            </a:r>
+              <a:t>Best performing at 0.2 test size </a:t>
+            </a:r>
+            <a:r>
+              <a:rPr lang="en-IE" sz="1300" dirty="0">
+                <a:effectLst/>
+                <a:latin typeface="Calibri" panose="020F0502020204030204" pitchFamily="34" charset="0"/>
+                <a:ea typeface="Times New Roman" panose="02020603050405020304" pitchFamily="18" charset="0"/>
+              </a:rPr>
+              <a:t>[by Zygimantas]</a:t>
+            </a:r>
+            <a:endParaRPr lang="en-IE" sz="1300" dirty="0"/>
           </a:p>
         </p:txBody>
       </p:sp>
@@ -5226,6 +5444,15 @@
               <a:rPr lang="en-IE" dirty="0"/>
               <a:t>Top 10 most important features using Random Forest model </a:t>
             </a:r>
+            <a:r>
+              <a:rPr lang="en-IE" sz="1300" dirty="0">
+                <a:effectLst/>
+                <a:latin typeface="Calibri" panose="020F0502020204030204" pitchFamily="34" charset="0"/>
+                <a:ea typeface="Times New Roman" panose="02020603050405020304" pitchFamily="18" charset="0"/>
+              </a:rPr>
+              <a:t>[by Miroslava]</a:t>
+            </a:r>
+            <a:endParaRPr lang="en-IE" sz="1300" dirty="0"/>
           </a:p>
         </p:txBody>
       </p:sp>
@@ -5296,7 +5523,13 @@
       </p:grpSpPr>
       <p:sp>
         <p:nvSpPr>
-          <p:cNvPr id="4" name="Title 3"/>
+          <p:cNvPr id="2" name="Title 1">
+            <a:extLst>
+              <a:ext uri="{FF2B5EF4-FFF2-40B4-BE49-F238E27FC236}">
+                <a16:creationId xmlns:a16="http://schemas.microsoft.com/office/drawing/2014/main" id="{7B6597EA-1996-7731-F2DF-EECA03CD5D96}"/>
+              </a:ext>
+            </a:extLst>
+          </p:cNvPr>
           <p:cNvSpPr>
             <a:spLocks noGrp="1"/>
           </p:cNvSpPr>
@@ -5306,29 +5539,39 @@
         </p:nvSpPr>
         <p:spPr>
           <a:xfrm>
-            <a:off x="1884218" y="406537"/>
-            <a:ext cx="6791670" cy="725349"/>
+            <a:off x="1941689" y="406537"/>
+            <a:ext cx="7010399" cy="725349"/>
           </a:xfrm>
         </p:spPr>
         <p:txBody>
           <a:bodyPr>
-            <a:normAutofit/>
+            <a:normAutofit fontScale="90000"/>
           </a:bodyPr>
           <a:lstStyle/>
           <a:p>
-            <a:r>
-              <a:rPr lang="en-US" sz="3200" dirty="0"/>
-              <a:t>Time Spent on the Project for Miroslava</a:t>
-            </a:r>
+            <a:pPr algn="ctr"/>
+            <a:r>
+              <a:rPr lang="en-IE" dirty="0"/>
+              <a:t>Top 10 most important features using Decision Tree model </a:t>
+            </a:r>
+            <a:r>
+              <a:rPr lang="en-IE" sz="1300" dirty="0">
+                <a:effectLst/>
+                <a:latin typeface="Calibri" panose="020F0502020204030204" pitchFamily="34" charset="0"/>
+                <a:ea typeface="Times New Roman" panose="02020603050405020304" pitchFamily="18" charset="0"/>
+              </a:rPr>
+              <a:t>[by Miroslava]</a:t>
+            </a:r>
+            <a:endParaRPr lang="en-IE" sz="1300" dirty="0"/>
           </a:p>
         </p:txBody>
       </p:sp>
       <p:pic>
         <p:nvPicPr>
-          <p:cNvPr id="7" name="Content Placeholder 6">
+          <p:cNvPr id="6" name="Content Placeholder 5">
             <a:extLst>
               <a:ext uri="{FF2B5EF4-FFF2-40B4-BE49-F238E27FC236}">
-                <a16:creationId xmlns:a16="http://schemas.microsoft.com/office/drawing/2014/main" id="{0D908BE0-F07B-651F-81C5-E5966AC80CE1}"/>
+                <a16:creationId xmlns:a16="http://schemas.microsoft.com/office/drawing/2014/main" id="{36D374A2-0C83-C80C-233D-83A6723102F1}"/>
               </a:ext>
             </a:extLst>
           </p:cNvPr>
@@ -5353,15 +5596,15 @@
         </p:blipFill>
         <p:spPr>
           <a:xfrm>
-            <a:off x="2776889" y="1268413"/>
-            <a:ext cx="5530148" cy="3419475"/>
+            <a:off x="2862787" y="1268413"/>
+            <a:ext cx="5358352" cy="3419475"/>
           </a:xfrm>
         </p:spPr>
       </p:pic>
     </p:spTree>
     <p:extLst>
       <p:ext uri="{BB962C8B-B14F-4D97-AF65-F5344CB8AC3E}">
-        <p14:creationId xmlns:p14="http://schemas.microsoft.com/office/powerpoint/2010/main" val="1101633878"/>
+        <p14:creationId xmlns:p14="http://schemas.microsoft.com/office/powerpoint/2010/main" val="2965374550"/>
       </p:ext>
     </p:extLst>
   </p:cSld>
@@ -5406,23 +5649,23 @@
         </p:spPr>
         <p:txBody>
           <a:bodyPr>
-            <a:normAutofit fontScale="90000"/>
+            <a:normAutofit/>
           </a:bodyPr>
           <a:lstStyle/>
           <a:p>
             <a:r>
               <a:rPr lang="en-US" sz="3200" dirty="0"/>
-              <a:t>Time Spent on the Project for Zygimantas</a:t>
+              <a:t>Time Spent on the Project - Miroslava</a:t>
             </a:r>
           </a:p>
         </p:txBody>
       </p:sp>
       <p:pic>
         <p:nvPicPr>
-          <p:cNvPr id="6" name="Content Placeholder 5">
+          <p:cNvPr id="7" name="Content Placeholder 6">
             <a:extLst>
               <a:ext uri="{FF2B5EF4-FFF2-40B4-BE49-F238E27FC236}">
-                <a16:creationId xmlns:a16="http://schemas.microsoft.com/office/drawing/2014/main" id="{31C34614-F06C-8052-54DC-326D33B54116}"/>
+                <a16:creationId xmlns:a16="http://schemas.microsoft.com/office/drawing/2014/main" id="{0D908BE0-F07B-651F-81C5-E5966AC80CE1}"/>
               </a:ext>
             </a:extLst>
           </p:cNvPr>
@@ -5455,7 +5698,7 @@
     </p:spTree>
     <p:extLst>
       <p:ext uri="{BB962C8B-B14F-4D97-AF65-F5344CB8AC3E}">
-        <p14:creationId xmlns:p14="http://schemas.microsoft.com/office/powerpoint/2010/main" val="3722071655"/>
+        <p14:creationId xmlns:p14="http://schemas.microsoft.com/office/powerpoint/2010/main" val="1101633878"/>
       </p:ext>
     </p:extLst>
   </p:cSld>

--- a/ML/PPT_ML_CA1_26 Nov 23.pptx
+++ b/ML/PPT_ML_CA1_26 Nov 23.pptx
@@ -4337,58 +4337,25 @@
           <a:p>
             <a:r>
               <a:rPr lang="en-US" dirty="0"/>
-              <a:t>Slide Title</a:t>
-            </a:r>
-          </a:p>
-        </p:txBody>
-      </p:sp>
-      <p:sp>
-        <p:nvSpPr>
-          <p:cNvPr id="5" name="Text Placeholder 4"/>
-          <p:cNvSpPr>
-            <a:spLocks noGrp="1"/>
-          </p:cNvSpPr>
-          <p:nvPr>
-            <p:ph type="body" idx="1"/>
+              <a:t>Conclusion</a:t>
+            </a:r>
+          </a:p>
+        </p:txBody>
+      </p:sp>
+      <p:sp>
+        <p:nvSpPr>
+          <p:cNvPr id="6" name="Content Placeholder 5"/>
+          <p:cNvSpPr>
+            <a:spLocks noGrp="1"/>
+          </p:cNvSpPr>
+          <p:nvPr>
+            <p:ph sz="half" idx="2"/>
           </p:nvPr>
         </p:nvSpPr>
         <p:spPr>
           <a:xfrm>
-            <a:off x="522130" y="1371814"/>
-            <a:ext cx="7391379" cy="763525"/>
-          </a:xfrm>
-        </p:spPr>
-        <p:txBody>
-          <a:bodyPr>
-            <a:normAutofit/>
-          </a:bodyPr>
-          <a:lstStyle/>
-          <a:p>
-            <a:r>
-              <a:rPr lang="en-US" sz="4000" dirty="0"/>
-              <a:t>Conclusion</a:t>
-            </a:r>
-            <a:r>
-              <a:rPr lang="en-US" dirty="0"/>
-              <a:t> </a:t>
-            </a:r>
-          </a:p>
-        </p:txBody>
-      </p:sp>
-      <p:sp>
-        <p:nvSpPr>
-          <p:cNvPr id="6" name="Content Placeholder 5"/>
-          <p:cNvSpPr>
-            <a:spLocks noGrp="1"/>
-          </p:cNvSpPr>
-          <p:nvPr>
-            <p:ph sz="half" idx="2"/>
-          </p:nvPr>
-        </p:nvSpPr>
-        <p:spPr>
-          <a:xfrm>
-            <a:off x="522130" y="2127914"/>
-            <a:ext cx="8294491" cy="2906930"/>
+            <a:off x="318656" y="1489364"/>
+            <a:ext cx="8497966" cy="3545480"/>
           </a:xfrm>
         </p:spPr>
         <p:txBody>
@@ -4652,7 +4619,7 @@
               <a:t> </a:t>
             </a:r>
             <a:r>
-              <a:rPr lang="en-US" sz="8800">
+              <a:rPr lang="en-US" sz="8800" dirty="0">
                 <a:solidFill>
                   <a:schemeClr val="bg1"/>
                 </a:solidFill>
@@ -4660,10 +4627,9 @@
               <a:t>Thank you.</a:t>
             </a:r>
             <a:r>
-              <a:rPr lang="en-US"/>
-              <a:t>. </a:t>
-            </a:r>
-            <a:endParaRPr lang="en-US" dirty="0"/>
+              <a:rPr lang="en-US" dirty="0"/>
+              <a:t> </a:t>
+            </a:r>
           </a:p>
         </p:txBody>
       </p:sp>
